--- a/Docs/Figs/AviaNZInterface.pptx
+++ b/Docs/Figs/AviaNZInterface.pptx
@@ -198,7 +198,7 @@
           <a:p>
             <a:fld id="{017935DE-2335-A54D-9486-17EB6A7DD4EE}" type="datetimeFigureOut">
               <a:rPr lang="en-US" smtClean="0"/>
-              <a:t>10/4/19</a:t>
+              <a:t>10/7/19</a:t>
             </a:fld>
             <a:endParaRPr lang="en-US"/>
           </a:p>
@@ -763,7 +763,7 @@
           <a:p>
             <a:fld id="{D9A07764-5A70-0842-A49A-71AE5C54F8D7}" type="datetimeFigureOut">
               <a:rPr lang="en-US" smtClean="0"/>
-              <a:t>10/4/19</a:t>
+              <a:t>10/7/19</a:t>
             </a:fld>
             <a:endParaRPr lang="en-US"/>
           </a:p>
@@ -931,7 +931,7 @@
           <a:p>
             <a:fld id="{D9A07764-5A70-0842-A49A-71AE5C54F8D7}" type="datetimeFigureOut">
               <a:rPr lang="en-US" smtClean="0"/>
-              <a:t>10/4/19</a:t>
+              <a:t>10/7/19</a:t>
             </a:fld>
             <a:endParaRPr lang="en-US"/>
           </a:p>
@@ -1109,7 +1109,7 @@
           <a:p>
             <a:fld id="{D9A07764-5A70-0842-A49A-71AE5C54F8D7}" type="datetimeFigureOut">
               <a:rPr lang="en-US" smtClean="0"/>
-              <a:t>10/4/19</a:t>
+              <a:t>10/7/19</a:t>
             </a:fld>
             <a:endParaRPr lang="en-US"/>
           </a:p>
@@ -1277,7 +1277,7 @@
           <a:p>
             <a:fld id="{D9A07764-5A70-0842-A49A-71AE5C54F8D7}" type="datetimeFigureOut">
               <a:rPr lang="en-US" smtClean="0"/>
-              <a:t>10/4/19</a:t>
+              <a:t>10/7/19</a:t>
             </a:fld>
             <a:endParaRPr lang="en-US"/>
           </a:p>
@@ -1522,7 +1522,7 @@
           <a:p>
             <a:fld id="{D9A07764-5A70-0842-A49A-71AE5C54F8D7}" type="datetimeFigureOut">
               <a:rPr lang="en-US" smtClean="0"/>
-              <a:t>10/4/19</a:t>
+              <a:t>10/7/19</a:t>
             </a:fld>
             <a:endParaRPr lang="en-US"/>
           </a:p>
@@ -1751,7 +1751,7 @@
           <a:p>
             <a:fld id="{D9A07764-5A70-0842-A49A-71AE5C54F8D7}" type="datetimeFigureOut">
               <a:rPr lang="en-US" smtClean="0"/>
-              <a:t>10/4/19</a:t>
+              <a:t>10/7/19</a:t>
             </a:fld>
             <a:endParaRPr lang="en-US"/>
           </a:p>
@@ -2115,7 +2115,7 @@
           <a:p>
             <a:fld id="{D9A07764-5A70-0842-A49A-71AE5C54F8D7}" type="datetimeFigureOut">
               <a:rPr lang="en-US" smtClean="0"/>
-              <a:t>10/4/19</a:t>
+              <a:t>10/7/19</a:t>
             </a:fld>
             <a:endParaRPr lang="en-US"/>
           </a:p>
@@ -2232,7 +2232,7 @@
           <a:p>
             <a:fld id="{D9A07764-5A70-0842-A49A-71AE5C54F8D7}" type="datetimeFigureOut">
               <a:rPr lang="en-US" smtClean="0"/>
-              <a:t>10/4/19</a:t>
+              <a:t>10/7/19</a:t>
             </a:fld>
             <a:endParaRPr lang="en-US"/>
           </a:p>
@@ -2327,7 +2327,7 @@
           <a:p>
             <a:fld id="{D9A07764-5A70-0842-A49A-71AE5C54F8D7}" type="datetimeFigureOut">
               <a:rPr lang="en-US" smtClean="0"/>
-              <a:t>10/4/19</a:t>
+              <a:t>10/7/19</a:t>
             </a:fld>
             <a:endParaRPr lang="en-US"/>
           </a:p>
@@ -2602,7 +2602,7 @@
           <a:p>
             <a:fld id="{D9A07764-5A70-0842-A49A-71AE5C54F8D7}" type="datetimeFigureOut">
               <a:rPr lang="en-US" smtClean="0"/>
-              <a:t>10/4/19</a:t>
+              <a:t>10/7/19</a:t>
             </a:fld>
             <a:endParaRPr lang="en-US"/>
           </a:p>
@@ -2854,7 +2854,7 @@
           <a:p>
             <a:fld id="{D9A07764-5A70-0842-A49A-71AE5C54F8D7}" type="datetimeFigureOut">
               <a:rPr lang="en-US" smtClean="0"/>
-              <a:t>10/4/19</a:t>
+              <a:t>10/7/19</a:t>
             </a:fld>
             <a:endParaRPr lang="en-US"/>
           </a:p>
@@ -3065,7 +3065,7 @@
           <a:p>
             <a:fld id="{D9A07764-5A70-0842-A49A-71AE5C54F8D7}" type="datetimeFigureOut">
               <a:rPr lang="en-US" smtClean="0"/>
-              <a:t>10/4/19</a:t>
+              <a:t>10/7/19</a:t>
             </a:fld>
             <a:endParaRPr lang="en-US"/>
           </a:p>
@@ -3492,7 +3492,7 @@
         <p:spPr>
           <a:xfrm>
             <a:off x="14573" y="-2891"/>
-            <a:ext cx="12155423" cy="6878698"/>
+            <a:ext cx="12155423" cy="6878697"/>
           </a:xfrm>
           <a:prstGeom prst="rect">
             <a:avLst/>
@@ -5077,8 +5077,8 @@
         </p:blipFill>
         <p:spPr>
           <a:xfrm>
-            <a:off x="36576" y="59046"/>
-            <a:ext cx="12118848" cy="6857999"/>
+            <a:off x="55031" y="121122"/>
+            <a:ext cx="12118846" cy="6816850"/>
           </a:xfrm>
           <a:prstGeom prst="rect">
             <a:avLst/>
@@ -5093,7 +5093,7 @@
         </p:nvSpPr>
         <p:spPr>
           <a:xfrm>
-            <a:off x="2628890" y="453874"/>
+            <a:off x="2638164" y="573297"/>
             <a:ext cx="8945911" cy="804444"/>
           </a:xfrm>
           <a:prstGeom prst="ellipse">
@@ -5139,7 +5139,7 @@
         </p:nvSpPr>
         <p:spPr>
           <a:xfrm>
-            <a:off x="2533397" y="1608559"/>
+            <a:off x="2530566" y="1717880"/>
             <a:ext cx="8945911" cy="485775"/>
           </a:xfrm>
           <a:prstGeom prst="ellipse">
@@ -5190,7 +5190,7 @@
         </p:nvSpPr>
         <p:spPr>
           <a:xfrm>
-            <a:off x="2264991" y="5530200"/>
+            <a:off x="2264991" y="5766871"/>
             <a:ext cx="2733675" cy="485775"/>
           </a:xfrm>
           <a:prstGeom prst="ellipse">
@@ -5292,8 +5292,8 @@
         </p:nvSpPr>
         <p:spPr>
           <a:xfrm>
-            <a:off x="1766177" y="150385"/>
-            <a:ext cx="709390" cy="747617"/>
+            <a:off x="1594055" y="304709"/>
+            <a:ext cx="709390" cy="604432"/>
           </a:xfrm>
           <a:prstGeom prst="ellipse">
             <a:avLst/>
@@ -5343,7 +5343,7 @@
         </p:nvSpPr>
         <p:spPr>
           <a:xfrm>
-            <a:off x="2251163" y="6191177"/>
+            <a:off x="2251163" y="6427848"/>
             <a:ext cx="6868123" cy="406199"/>
           </a:xfrm>
           <a:prstGeom prst="ellipse">
@@ -5394,8 +5394,8 @@
         </p:nvSpPr>
         <p:spPr>
           <a:xfrm>
-            <a:off x="225116" y="4266015"/>
-            <a:ext cx="709390" cy="469382"/>
+            <a:off x="-20680" y="4654749"/>
+            <a:ext cx="1601703" cy="862578"/>
           </a:xfrm>
           <a:prstGeom prst="ellipse">
             <a:avLst/>
@@ -5439,14 +5439,14 @@
       </p:sp>
       <p:sp>
         <p:nvSpPr>
-          <p:cNvPr id="12" name="Oval 11"/>
+          <p:cNvPr id="13" name="Oval 12"/>
           <p:cNvSpPr/>
           <p:nvPr/>
         </p:nvSpPr>
         <p:spPr>
           <a:xfrm>
-            <a:off x="899129" y="4317132"/>
-            <a:ext cx="855866" cy="495436"/>
+            <a:off x="18147" y="6133887"/>
+            <a:ext cx="1658502" cy="414050"/>
           </a:xfrm>
           <a:prstGeom prst="ellipse">
             <a:avLst/>
@@ -5490,14 +5490,14 @@
       </p:sp>
       <p:sp>
         <p:nvSpPr>
-          <p:cNvPr id="13" name="Oval 12"/>
+          <p:cNvPr id="14" name="Oval 13"/>
           <p:cNvSpPr/>
           <p:nvPr/>
         </p:nvSpPr>
         <p:spPr>
           <a:xfrm>
-            <a:off x="0" y="5734991"/>
-            <a:ext cx="2148775" cy="414050"/>
+            <a:off x="-22676" y="5505887"/>
+            <a:ext cx="1699765" cy="626570"/>
           </a:xfrm>
           <a:prstGeom prst="ellipse">
             <a:avLst/>
@@ -5541,14 +5541,14 @@
       </p:sp>
       <p:sp>
         <p:nvSpPr>
-          <p:cNvPr id="14" name="Oval 13"/>
+          <p:cNvPr id="15" name="Oval 14"/>
           <p:cNvSpPr/>
           <p:nvPr/>
         </p:nvSpPr>
         <p:spPr>
           <a:xfrm>
-            <a:off x="194740" y="4895460"/>
-            <a:ext cx="1366717" cy="924439"/>
+            <a:off x="55031" y="886415"/>
+            <a:ext cx="1334304" cy="3327965"/>
           </a:xfrm>
           <a:prstGeom prst="ellipse">
             <a:avLst/>
@@ -5592,14 +5592,279 @@
       </p:sp>
       <p:sp>
         <p:nvSpPr>
-          <p:cNvPr id="15" name="Oval 14"/>
+          <p:cNvPr id="16" name="TextBox 15"/>
+          <p:cNvSpPr txBox="1"/>
+          <p:nvPr/>
+        </p:nvSpPr>
+        <p:spPr>
+          <a:xfrm>
+            <a:off x="4344675" y="94648"/>
+            <a:ext cx="196702" cy="369332"/>
+          </a:xfrm>
+          <a:prstGeom prst="rect">
+            <a:avLst/>
+          </a:prstGeom>
+          <a:noFill/>
+        </p:spPr>
+        <p:txBody>
+          <a:bodyPr wrap="square" rtlCol="0">
+            <a:spAutoFit/>
+          </a:bodyPr>
+          <a:lstStyle/>
+          <a:p>
+            <a:r>
+              <a:rPr lang="en-US" dirty="0"/>
+              <a:t>1</a:t>
+            </a:r>
+          </a:p>
+        </p:txBody>
+      </p:sp>
+      <p:sp>
+        <p:nvSpPr>
+          <p:cNvPr id="17" name="TextBox 16"/>
+          <p:cNvSpPr txBox="1"/>
+          <p:nvPr/>
+        </p:nvSpPr>
+        <p:spPr>
+          <a:xfrm>
+            <a:off x="1075362" y="4834231"/>
+            <a:ext cx="482672" cy="369332"/>
+          </a:xfrm>
+          <a:prstGeom prst="rect">
+            <a:avLst/>
+          </a:prstGeom>
+          <a:noFill/>
+        </p:spPr>
+        <p:txBody>
+          <a:bodyPr wrap="square" rtlCol="0">
+            <a:spAutoFit/>
+          </a:bodyPr>
+          <a:lstStyle/>
+          <a:p>
+            <a:r>
+              <a:rPr lang="en-US" dirty="0"/>
+              <a:t>12</a:t>
+            </a:r>
+          </a:p>
+        </p:txBody>
+      </p:sp>
+      <p:sp>
+        <p:nvSpPr>
+          <p:cNvPr id="20" name="TextBox 19"/>
+          <p:cNvSpPr txBox="1"/>
+          <p:nvPr/>
+        </p:nvSpPr>
+        <p:spPr>
+          <a:xfrm>
+            <a:off x="3970309" y="5883314"/>
+            <a:ext cx="301686" cy="369332"/>
+          </a:xfrm>
+          <a:prstGeom prst="rect">
+            <a:avLst/>
+          </a:prstGeom>
+          <a:noFill/>
+        </p:spPr>
+        <p:txBody>
+          <a:bodyPr wrap="none" rtlCol="0">
+            <a:spAutoFit/>
+          </a:bodyPr>
+          <a:lstStyle/>
+          <a:p>
+            <a:r>
+              <a:rPr lang="en-US" dirty="0"/>
+              <a:t>7</a:t>
+            </a:r>
+          </a:p>
+        </p:txBody>
+      </p:sp>
+      <p:sp>
+        <p:nvSpPr>
+          <p:cNvPr id="21" name="TextBox 20"/>
+          <p:cNvSpPr txBox="1"/>
+          <p:nvPr/>
+        </p:nvSpPr>
+        <p:spPr>
+          <a:xfrm>
+            <a:off x="1119384" y="5634506"/>
+            <a:ext cx="418704" cy="369332"/>
+          </a:xfrm>
+          <a:prstGeom prst="rect">
+            <a:avLst/>
+          </a:prstGeom>
+          <a:noFill/>
+        </p:spPr>
+        <p:txBody>
+          <a:bodyPr wrap="none" rtlCol="0">
+            <a:spAutoFit/>
+          </a:bodyPr>
+          <a:lstStyle/>
+          <a:p>
+            <a:r>
+              <a:rPr lang="en-US" dirty="0"/>
+              <a:t>13</a:t>
+            </a:r>
+          </a:p>
+        </p:txBody>
+      </p:sp>
+      <p:sp>
+        <p:nvSpPr>
+          <p:cNvPr id="22" name="TextBox 21"/>
+          <p:cNvSpPr txBox="1"/>
+          <p:nvPr/>
+        </p:nvSpPr>
+        <p:spPr>
+          <a:xfrm>
+            <a:off x="5360899" y="6446281"/>
+            <a:ext cx="301686" cy="369332"/>
+          </a:xfrm>
+          <a:prstGeom prst="rect">
+            <a:avLst/>
+          </a:prstGeom>
+          <a:noFill/>
+        </p:spPr>
+        <p:txBody>
+          <a:bodyPr wrap="none" rtlCol="0">
+            <a:spAutoFit/>
+          </a:bodyPr>
+          <a:lstStyle/>
+          <a:p>
+            <a:r>
+              <a:rPr lang="en-US" dirty="0"/>
+              <a:t>8</a:t>
+            </a:r>
+          </a:p>
+        </p:txBody>
+      </p:sp>
+      <p:sp>
+        <p:nvSpPr>
+          <p:cNvPr id="23" name="TextBox 22"/>
+          <p:cNvSpPr txBox="1"/>
+          <p:nvPr/>
+        </p:nvSpPr>
+        <p:spPr>
+          <a:xfrm>
+            <a:off x="2850525" y="1781756"/>
+            <a:ext cx="301686" cy="369332"/>
+          </a:xfrm>
+          <a:prstGeom prst="rect">
+            <a:avLst/>
+          </a:prstGeom>
+          <a:noFill/>
+        </p:spPr>
+        <p:txBody>
+          <a:bodyPr wrap="none" rtlCol="0">
+            <a:spAutoFit/>
+          </a:bodyPr>
+          <a:lstStyle/>
+          <a:p>
+            <a:r>
+              <a:rPr lang="en-US" dirty="0"/>
+              <a:t>3</a:t>
+            </a:r>
+          </a:p>
+        </p:txBody>
+      </p:sp>
+      <p:sp>
+        <p:nvSpPr>
+          <p:cNvPr id="24" name="TextBox 23"/>
+          <p:cNvSpPr txBox="1"/>
+          <p:nvPr/>
+        </p:nvSpPr>
+        <p:spPr>
+          <a:xfrm>
+            <a:off x="1784923" y="536949"/>
+            <a:ext cx="301686" cy="369332"/>
+          </a:xfrm>
+          <a:prstGeom prst="rect">
+            <a:avLst/>
+          </a:prstGeom>
+          <a:noFill/>
+        </p:spPr>
+        <p:txBody>
+          <a:bodyPr wrap="none" rtlCol="0">
+            <a:spAutoFit/>
+          </a:bodyPr>
+          <a:lstStyle/>
+          <a:p>
+            <a:r>
+              <a:rPr lang="en-US" dirty="0"/>
+              <a:t>4</a:t>
+            </a:r>
+          </a:p>
+        </p:txBody>
+      </p:sp>
+      <p:sp>
+        <p:nvSpPr>
+          <p:cNvPr id="25" name="TextBox 24"/>
+          <p:cNvSpPr txBox="1"/>
+          <p:nvPr/>
+        </p:nvSpPr>
+        <p:spPr>
+          <a:xfrm>
+            <a:off x="953518" y="1676102"/>
+            <a:ext cx="726360" cy="369332"/>
+          </a:xfrm>
+          <a:prstGeom prst="rect">
+            <a:avLst/>
+          </a:prstGeom>
+          <a:noFill/>
+        </p:spPr>
+        <p:txBody>
+          <a:bodyPr wrap="square" rtlCol="0">
+            <a:spAutoFit/>
+          </a:bodyPr>
+          <a:lstStyle/>
+          <a:p>
+            <a:r>
+              <a:rPr lang="en-US" dirty="0"/>
+              <a:t>11</a:t>
+            </a:r>
+          </a:p>
+        </p:txBody>
+      </p:sp>
+      <p:sp>
+        <p:nvSpPr>
+          <p:cNvPr id="26" name="TextBox 25"/>
+          <p:cNvSpPr txBox="1"/>
+          <p:nvPr/>
+        </p:nvSpPr>
+        <p:spPr>
+          <a:xfrm>
+            <a:off x="2825856" y="780513"/>
+            <a:ext cx="404187" cy="369332"/>
+          </a:xfrm>
+          <a:prstGeom prst="rect">
+            <a:avLst/>
+          </a:prstGeom>
+          <a:noFill/>
+        </p:spPr>
+        <p:txBody>
+          <a:bodyPr wrap="square" rtlCol="0">
+            <a:spAutoFit/>
+          </a:bodyPr>
+          <a:lstStyle/>
+          <a:p>
+            <a:r>
+              <a:rPr lang="en-US" dirty="0">
+                <a:solidFill>
+                  <a:schemeClr val="bg1"/>
+                </a:solidFill>
+              </a:rPr>
+              <a:t>2</a:t>
+            </a:r>
+          </a:p>
+        </p:txBody>
+      </p:sp>
+      <p:sp>
+        <p:nvSpPr>
+          <p:cNvPr id="28" name="Oval 27"/>
           <p:cNvSpPr/>
           <p:nvPr/>
         </p:nvSpPr>
         <p:spPr>
           <a:xfrm>
-            <a:off x="227153" y="886415"/>
-            <a:ext cx="1334304" cy="3327965"/>
+            <a:off x="2463983" y="2883933"/>
+            <a:ext cx="9294274" cy="2777206"/>
           </a:xfrm>
           <a:prstGeom prst="ellipse">
             <a:avLst/>
@@ -5643,304 +5908,14 @@
       </p:sp>
       <p:sp>
         <p:nvSpPr>
-          <p:cNvPr id="16" name="TextBox 15"/>
+          <p:cNvPr id="30" name="TextBox 29"/>
           <p:cNvSpPr txBox="1"/>
           <p:nvPr/>
         </p:nvSpPr>
         <p:spPr>
           <a:xfrm>
-            <a:off x="4344675" y="94648"/>
-            <a:ext cx="196702" cy="369332"/>
-          </a:xfrm>
-          <a:prstGeom prst="rect">
-            <a:avLst/>
-          </a:prstGeom>
-          <a:noFill/>
-        </p:spPr>
-        <p:txBody>
-          <a:bodyPr wrap="square" rtlCol="0">
-            <a:spAutoFit/>
-          </a:bodyPr>
-          <a:lstStyle/>
-          <a:p>
-            <a:r>
-              <a:rPr lang="en-US" dirty="0"/>
-              <a:t>1</a:t>
-            </a:r>
-          </a:p>
-        </p:txBody>
-      </p:sp>
-      <p:sp>
-        <p:nvSpPr>
-          <p:cNvPr id="17" name="TextBox 16"/>
-          <p:cNvSpPr txBox="1"/>
-          <p:nvPr/>
-        </p:nvSpPr>
-        <p:spPr>
-          <a:xfrm>
-            <a:off x="404092" y="4213256"/>
-            <a:ext cx="482672" cy="369332"/>
-          </a:xfrm>
-          <a:prstGeom prst="rect">
-            <a:avLst/>
-          </a:prstGeom>
-          <a:noFill/>
-        </p:spPr>
-        <p:txBody>
-          <a:bodyPr wrap="square" rtlCol="0">
-            <a:spAutoFit/>
-          </a:bodyPr>
-          <a:lstStyle/>
-          <a:p>
-            <a:r>
-              <a:rPr lang="en-US" dirty="0"/>
-              <a:t>12</a:t>
-            </a:r>
-          </a:p>
-        </p:txBody>
-      </p:sp>
-      <p:sp>
-        <p:nvSpPr>
-          <p:cNvPr id="18" name="TextBox 17"/>
-          <p:cNvSpPr txBox="1"/>
-          <p:nvPr/>
-        </p:nvSpPr>
-        <p:spPr>
-          <a:xfrm>
-            <a:off x="1100248" y="4225538"/>
-            <a:ext cx="418704" cy="369332"/>
-          </a:xfrm>
-          <a:prstGeom prst="rect">
-            <a:avLst/>
-          </a:prstGeom>
-          <a:noFill/>
-        </p:spPr>
-        <p:txBody>
-          <a:bodyPr wrap="none" rtlCol="0">
-            <a:spAutoFit/>
-          </a:bodyPr>
-          <a:lstStyle/>
-          <a:p>
-            <a:r>
-              <a:rPr lang="en-US" dirty="0"/>
-              <a:t>13</a:t>
-            </a:r>
-          </a:p>
-        </p:txBody>
-      </p:sp>
-      <p:sp>
-        <p:nvSpPr>
-          <p:cNvPr id="19" name="TextBox 18"/>
-          <p:cNvSpPr txBox="1"/>
-          <p:nvPr/>
-        </p:nvSpPr>
-        <p:spPr>
-          <a:xfrm>
-            <a:off x="8478" y="4630763"/>
-            <a:ext cx="418704" cy="369332"/>
-          </a:xfrm>
-          <a:prstGeom prst="rect">
-            <a:avLst/>
-          </a:prstGeom>
-          <a:noFill/>
-        </p:spPr>
-        <p:txBody>
-          <a:bodyPr wrap="none" rtlCol="0">
-            <a:spAutoFit/>
-          </a:bodyPr>
-          <a:lstStyle/>
-          <a:p>
-            <a:r>
-              <a:rPr lang="en-US" dirty="0"/>
-              <a:t>14</a:t>
-            </a:r>
-          </a:p>
-        </p:txBody>
-      </p:sp>
-      <p:sp>
-        <p:nvSpPr>
-          <p:cNvPr id="20" name="TextBox 19"/>
-          <p:cNvSpPr txBox="1"/>
-          <p:nvPr/>
-        </p:nvSpPr>
-        <p:spPr>
-          <a:xfrm>
-            <a:off x="3970309" y="5646643"/>
-            <a:ext cx="301686" cy="369332"/>
-          </a:xfrm>
-          <a:prstGeom prst="rect">
-            <a:avLst/>
-          </a:prstGeom>
-          <a:noFill/>
-        </p:spPr>
-        <p:txBody>
-          <a:bodyPr wrap="none" rtlCol="0">
-            <a:spAutoFit/>
-          </a:bodyPr>
-          <a:lstStyle/>
-          <a:p>
-            <a:r>
-              <a:rPr lang="en-US" dirty="0"/>
-              <a:t>7</a:t>
-            </a:r>
-          </a:p>
-        </p:txBody>
-      </p:sp>
-      <p:sp>
-        <p:nvSpPr>
-          <p:cNvPr id="21" name="TextBox 20"/>
-          <p:cNvSpPr txBox="1"/>
-          <p:nvPr/>
-        </p:nvSpPr>
-        <p:spPr>
-          <a:xfrm>
-            <a:off x="1142753" y="5139547"/>
-            <a:ext cx="418704" cy="369332"/>
-          </a:xfrm>
-          <a:prstGeom prst="rect">
-            <a:avLst/>
-          </a:prstGeom>
-          <a:noFill/>
-        </p:spPr>
-        <p:txBody>
-          <a:bodyPr wrap="none" rtlCol="0">
-            <a:spAutoFit/>
-          </a:bodyPr>
-          <a:lstStyle/>
-          <a:p>
-            <a:r>
-              <a:rPr lang="en-US" dirty="0"/>
-              <a:t>15</a:t>
-            </a:r>
-          </a:p>
-        </p:txBody>
-      </p:sp>
-      <p:sp>
-        <p:nvSpPr>
-          <p:cNvPr id="22" name="TextBox 21"/>
-          <p:cNvSpPr txBox="1"/>
-          <p:nvPr/>
-        </p:nvSpPr>
-        <p:spPr>
-          <a:xfrm>
-            <a:off x="5360899" y="6209610"/>
-            <a:ext cx="301686" cy="369332"/>
-          </a:xfrm>
-          <a:prstGeom prst="rect">
-            <a:avLst/>
-          </a:prstGeom>
-          <a:noFill/>
-        </p:spPr>
-        <p:txBody>
-          <a:bodyPr wrap="none" rtlCol="0">
-            <a:spAutoFit/>
-          </a:bodyPr>
-          <a:lstStyle/>
-          <a:p>
-            <a:r>
-              <a:rPr lang="en-US" dirty="0"/>
-              <a:t>8</a:t>
-            </a:r>
-          </a:p>
-        </p:txBody>
-      </p:sp>
-      <p:sp>
-        <p:nvSpPr>
-          <p:cNvPr id="23" name="TextBox 22"/>
-          <p:cNvSpPr txBox="1"/>
-          <p:nvPr/>
-        </p:nvSpPr>
-        <p:spPr>
-          <a:xfrm>
-            <a:off x="2680188" y="1661869"/>
-            <a:ext cx="301686" cy="369332"/>
-          </a:xfrm>
-          <a:prstGeom prst="rect">
-            <a:avLst/>
-          </a:prstGeom>
-          <a:noFill/>
-        </p:spPr>
-        <p:txBody>
-          <a:bodyPr wrap="none" rtlCol="0">
-            <a:spAutoFit/>
-          </a:bodyPr>
-          <a:lstStyle/>
-          <a:p>
-            <a:r>
-              <a:rPr lang="en-US" dirty="0"/>
-              <a:t>3</a:t>
-            </a:r>
-          </a:p>
-        </p:txBody>
-      </p:sp>
-      <p:sp>
-        <p:nvSpPr>
-          <p:cNvPr id="24" name="TextBox 23"/>
-          <p:cNvSpPr txBox="1"/>
-          <p:nvPr/>
-        </p:nvSpPr>
-        <p:spPr>
-          <a:xfrm>
-            <a:off x="1935529" y="536949"/>
-            <a:ext cx="301686" cy="369332"/>
-          </a:xfrm>
-          <a:prstGeom prst="rect">
-            <a:avLst/>
-          </a:prstGeom>
-          <a:noFill/>
-        </p:spPr>
-        <p:txBody>
-          <a:bodyPr wrap="none" rtlCol="0">
-            <a:spAutoFit/>
-          </a:bodyPr>
-          <a:lstStyle/>
-          <a:p>
-            <a:r>
-              <a:rPr lang="en-US" dirty="0"/>
-              <a:t>4</a:t>
-            </a:r>
-          </a:p>
-        </p:txBody>
-      </p:sp>
-      <p:sp>
-        <p:nvSpPr>
-          <p:cNvPr id="25" name="TextBox 24"/>
-          <p:cNvSpPr txBox="1"/>
-          <p:nvPr/>
-        </p:nvSpPr>
-        <p:spPr>
-          <a:xfrm>
-            <a:off x="1125640" y="1676102"/>
-            <a:ext cx="726360" cy="369332"/>
-          </a:xfrm>
-          <a:prstGeom prst="rect">
-            <a:avLst/>
-          </a:prstGeom>
-          <a:noFill/>
-        </p:spPr>
-        <p:txBody>
-          <a:bodyPr wrap="square" rtlCol="0">
-            <a:spAutoFit/>
-          </a:bodyPr>
-          <a:lstStyle/>
-          <a:p>
-            <a:r>
-              <a:rPr lang="en-US" dirty="0"/>
-              <a:t>11</a:t>
-            </a:r>
-          </a:p>
-        </p:txBody>
-      </p:sp>
-      <p:sp>
-        <p:nvSpPr>
-          <p:cNvPr id="26" name="TextBox 25"/>
-          <p:cNvSpPr txBox="1"/>
-          <p:nvPr/>
-        </p:nvSpPr>
-        <p:spPr>
-          <a:xfrm>
-            <a:off x="2831031" y="621001"/>
-            <a:ext cx="404187" cy="369332"/>
+            <a:off x="2530566" y="4084652"/>
+            <a:ext cx="404250" cy="369332"/>
           </a:xfrm>
           <a:prstGeom prst="rect">
             <a:avLst/>
@@ -5959,21 +5934,21 @@
                   <a:schemeClr val="bg1"/>
                 </a:solidFill>
               </a:rPr>
-              <a:t>2</a:t>
-            </a:r>
-          </a:p>
-        </p:txBody>
-      </p:sp>
-      <p:sp>
-        <p:nvSpPr>
-          <p:cNvPr id="28" name="Oval 27"/>
+              <a:t>6</a:t>
+            </a:r>
+          </a:p>
+        </p:txBody>
+      </p:sp>
+      <p:sp>
+        <p:nvSpPr>
+          <p:cNvPr id="31" name="Oval 30"/>
           <p:cNvSpPr/>
           <p:nvPr/>
         </p:nvSpPr>
         <p:spPr>
           <a:xfrm>
-            <a:off x="2485350" y="2619633"/>
-            <a:ext cx="9294274" cy="2777206"/>
+            <a:off x="55031" y="6468614"/>
+            <a:ext cx="1650116" cy="276281"/>
           </a:xfrm>
           <a:prstGeom prst="ellipse">
             <a:avLst/>
@@ -6017,14 +5992,14 @@
       </p:sp>
       <p:sp>
         <p:nvSpPr>
-          <p:cNvPr id="30" name="TextBox 29"/>
+          <p:cNvPr id="33" name="TextBox 32"/>
           <p:cNvSpPr txBox="1"/>
           <p:nvPr/>
         </p:nvSpPr>
         <p:spPr>
           <a:xfrm>
-            <a:off x="2551933" y="3820352"/>
-            <a:ext cx="404250" cy="369332"/>
+            <a:off x="1256804" y="6136747"/>
+            <a:ext cx="418704" cy="369332"/>
           </a:xfrm>
           <a:prstGeom prst="rect">
             <a:avLst/>
@@ -6032,32 +6007,28 @@
           <a:noFill/>
         </p:spPr>
         <p:txBody>
-          <a:bodyPr wrap="square" rtlCol="0">
+          <a:bodyPr wrap="none" rtlCol="0">
             <a:spAutoFit/>
           </a:bodyPr>
           <a:lstStyle/>
           <a:p>
             <a:r>
-              <a:rPr lang="en-US" dirty="0">
-                <a:solidFill>
-                  <a:schemeClr val="bg1"/>
-                </a:solidFill>
-              </a:rPr>
-              <a:t>6</a:t>
-            </a:r>
-          </a:p>
-        </p:txBody>
-      </p:sp>
-      <p:sp>
-        <p:nvSpPr>
-          <p:cNvPr id="31" name="Oval 30"/>
+              <a:rPr lang="en-US" dirty="0"/>
+              <a:t>14</a:t>
+            </a:r>
+          </a:p>
+        </p:txBody>
+      </p:sp>
+      <p:sp>
+        <p:nvSpPr>
+          <p:cNvPr id="34" name="Oval 33"/>
           <p:cNvSpPr/>
           <p:nvPr/>
         </p:nvSpPr>
         <p:spPr>
           <a:xfrm>
-            <a:off x="-79640" y="6102335"/>
-            <a:ext cx="2250414" cy="406199"/>
+            <a:off x="-144513" y="6665116"/>
+            <a:ext cx="932476" cy="312852"/>
           </a:xfrm>
           <a:prstGeom prst="ellipse">
             <a:avLst/>
@@ -6101,13 +6072,13 @@
       </p:sp>
       <p:sp>
         <p:nvSpPr>
-          <p:cNvPr id="33" name="TextBox 32"/>
+          <p:cNvPr id="35" name="TextBox 34"/>
           <p:cNvSpPr txBox="1"/>
           <p:nvPr/>
         </p:nvSpPr>
         <p:spPr>
           <a:xfrm>
-            <a:off x="1369293" y="5715264"/>
+            <a:off x="321725" y="6641443"/>
             <a:ext cx="418704" cy="369332"/>
           </a:xfrm>
           <a:prstGeom prst="rect">
@@ -6130,14 +6101,14 @@
       </p:sp>
       <p:sp>
         <p:nvSpPr>
-          <p:cNvPr id="34" name="Oval 33"/>
+          <p:cNvPr id="38" name="Oval 37"/>
           <p:cNvSpPr/>
           <p:nvPr/>
         </p:nvSpPr>
         <p:spPr>
           <a:xfrm>
-            <a:off x="-33347" y="6418223"/>
-            <a:ext cx="932476" cy="312852"/>
+            <a:off x="1125183" y="432085"/>
+            <a:ext cx="449829" cy="526680"/>
           </a:xfrm>
           <a:prstGeom prst="ellipse">
             <a:avLst/>
@@ -6181,13 +6152,13 @@
       </p:sp>
       <p:sp>
         <p:nvSpPr>
-          <p:cNvPr id="35" name="TextBox 34"/>
+          <p:cNvPr id="39" name="TextBox 38"/>
           <p:cNvSpPr txBox="1"/>
           <p:nvPr/>
         </p:nvSpPr>
         <p:spPr>
           <a:xfrm>
-            <a:off x="515802" y="6418223"/>
+            <a:off x="1139351" y="612255"/>
             <a:ext cx="418704" cy="369332"/>
           </a:xfrm>
           <a:prstGeom prst="rect">
@@ -6203,21 +6174,21 @@
           <a:p>
             <a:r>
               <a:rPr lang="en-US" dirty="0"/>
-              <a:t>18</a:t>
-            </a:r>
-          </a:p>
-        </p:txBody>
-      </p:sp>
-      <p:sp>
-        <p:nvSpPr>
-          <p:cNvPr id="38" name="Oval 37"/>
+              <a:t>10</a:t>
+            </a:r>
+          </a:p>
+        </p:txBody>
+      </p:sp>
+      <p:sp>
+        <p:nvSpPr>
+          <p:cNvPr id="40" name="Oval 39"/>
           <p:cNvSpPr/>
           <p:nvPr/>
         </p:nvSpPr>
         <p:spPr>
           <a:xfrm>
-            <a:off x="1275790" y="125273"/>
-            <a:ext cx="449829" cy="747617"/>
+            <a:off x="9343377" y="6606476"/>
+            <a:ext cx="2881970" cy="406199"/>
           </a:xfrm>
           <a:prstGeom prst="ellipse">
             <a:avLst/>
@@ -6261,13 +6232,48 @@
       </p:sp>
       <p:sp>
         <p:nvSpPr>
-          <p:cNvPr id="39" name="TextBox 38"/>
+          <p:cNvPr id="41" name="TextBox 40"/>
           <p:cNvSpPr txBox="1"/>
           <p:nvPr/>
         </p:nvSpPr>
         <p:spPr>
           <a:xfrm>
-            <a:off x="1289957" y="536949"/>
+            <a:off x="9655689" y="6618440"/>
+            <a:ext cx="570296" cy="369332"/>
+          </a:xfrm>
+          <a:prstGeom prst="rect">
+            <a:avLst/>
+          </a:prstGeom>
+          <a:noFill/>
+        </p:spPr>
+        <p:txBody>
+          <a:bodyPr wrap="square" rtlCol="0">
+            <a:spAutoFit/>
+          </a:bodyPr>
+          <a:lstStyle/>
+          <a:p>
+            <a:r>
+              <a:rPr lang="en-US" dirty="0"/>
+              <a:t>9</a:t>
+            </a:r>
+          </a:p>
+        </p:txBody>
+      </p:sp>
+      <p:sp>
+        <p:nvSpPr>
+          <p:cNvPr id="44" name="TextBox 43">
+            <a:extLst>
+              <a:ext uri="{FF2B5EF4-FFF2-40B4-BE49-F238E27FC236}">
+                <a16:creationId xmlns:a16="http://schemas.microsoft.com/office/drawing/2014/main" id="{BFA4B9B6-9B9D-4645-82A4-22FB586BA06D}"/>
+              </a:ext>
+            </a:extLst>
+          </p:cNvPr>
+          <p:cNvSpPr txBox="1"/>
+          <p:nvPr/>
+        </p:nvSpPr>
+        <p:spPr>
+          <a:xfrm>
+            <a:off x="1267900" y="6420320"/>
             <a:ext cx="418704" cy="369332"/>
           </a:xfrm>
           <a:prstGeom prst="rect">
@@ -6283,21 +6289,27 @@
           <a:p>
             <a:r>
               <a:rPr lang="en-US" dirty="0"/>
-              <a:t>10</a:t>
-            </a:r>
-          </a:p>
-        </p:txBody>
-      </p:sp>
-      <p:sp>
-        <p:nvSpPr>
-          <p:cNvPr id="40" name="Oval 39"/>
+              <a:t>15</a:t>
+            </a:r>
+          </a:p>
+        </p:txBody>
+      </p:sp>
+      <p:sp>
+        <p:nvSpPr>
+          <p:cNvPr id="42" name="Oval 41">
+            <a:extLst>
+              <a:ext uri="{FF2B5EF4-FFF2-40B4-BE49-F238E27FC236}">
+                <a16:creationId xmlns:a16="http://schemas.microsoft.com/office/drawing/2014/main" id="{775C5468-6323-564F-A2B0-C39B51EAEC71}"/>
+              </a:ext>
+            </a:extLst>
+          </p:cNvPr>
           <p:cNvSpPr/>
           <p:nvPr/>
         </p:nvSpPr>
         <p:spPr>
           <a:xfrm>
-            <a:off x="9343377" y="6369805"/>
-            <a:ext cx="2881970" cy="406199"/>
+            <a:off x="1612204" y="1077978"/>
+            <a:ext cx="709390" cy="1493546"/>
           </a:xfrm>
           <a:prstGeom prst="ellipse">
             <a:avLst/>
@@ -6341,184 +6353,6 @@
       </p:sp>
       <p:sp>
         <p:nvSpPr>
-          <p:cNvPr id="41" name="TextBox 40"/>
-          <p:cNvSpPr txBox="1"/>
-          <p:nvPr/>
-        </p:nvSpPr>
-        <p:spPr>
-          <a:xfrm>
-            <a:off x="9655689" y="6381769"/>
-            <a:ext cx="570296" cy="369332"/>
-          </a:xfrm>
-          <a:prstGeom prst="rect">
-            <a:avLst/>
-          </a:prstGeom>
-          <a:noFill/>
-        </p:spPr>
-        <p:txBody>
-          <a:bodyPr wrap="square" rtlCol="0">
-            <a:spAutoFit/>
-          </a:bodyPr>
-          <a:lstStyle/>
-          <a:p>
-            <a:r>
-              <a:rPr lang="en-US" dirty="0"/>
-              <a:t>9</a:t>
-            </a:r>
-          </a:p>
-        </p:txBody>
-      </p:sp>
-      <p:sp>
-        <p:nvSpPr>
-          <p:cNvPr id="43" name="Oval 42">
-            <a:extLst>
-              <a:ext uri="{FF2B5EF4-FFF2-40B4-BE49-F238E27FC236}">
-                <a16:creationId xmlns:a16="http://schemas.microsoft.com/office/drawing/2014/main" id="{BB78B7CD-9D8F-0149-9ACA-985A9333370C}"/>
-              </a:ext>
-            </a:extLst>
-          </p:cNvPr>
-          <p:cNvSpPr/>
-          <p:nvPr/>
-        </p:nvSpPr>
-        <p:spPr>
-          <a:xfrm>
-            <a:off x="194740" y="4665480"/>
-            <a:ext cx="709390" cy="307151"/>
-          </a:xfrm>
-          <a:prstGeom prst="ellipse">
-            <a:avLst/>
-          </a:prstGeom>
-          <a:noFill/>
-          <a:ln w="25400">
-            <a:solidFill>
-              <a:srgbClr val="FF0000"/>
-            </a:solidFill>
-          </a:ln>
-        </p:spPr>
-        <p:style>
-          <a:lnRef idx="2">
-            <a:schemeClr val="accent1">
-              <a:shade val="50000"/>
-            </a:schemeClr>
-          </a:lnRef>
-          <a:fillRef idx="1">
-            <a:schemeClr val="accent1"/>
-          </a:fillRef>
-          <a:effectRef idx="0">
-            <a:schemeClr val="accent1"/>
-          </a:effectRef>
-          <a:fontRef idx="minor">
-            <a:schemeClr val="lt1"/>
-          </a:fontRef>
-        </p:style>
-        <p:txBody>
-          <a:bodyPr rot="0" spcFirstLastPara="0" vertOverflow="overflow" horzOverflow="overflow" vert="horz" wrap="square" lIns="91440" tIns="45720" rIns="91440" bIns="45720" numCol="1" spcCol="0" rtlCol="0" fromWordArt="0" anchor="ctr" anchorCtr="0" forceAA="0" compatLnSpc="1">
-            <a:prstTxWarp prst="textNoShape">
-              <a:avLst/>
-            </a:prstTxWarp>
-            <a:noAutofit/>
-          </a:bodyPr>
-          <a:lstStyle/>
-          <a:p>
-            <a:pPr algn="ctr"/>
-            <a:endParaRPr lang="en-US"/>
-          </a:p>
-        </p:txBody>
-      </p:sp>
-      <p:sp>
-        <p:nvSpPr>
-          <p:cNvPr id="44" name="TextBox 43">
-            <a:extLst>
-              <a:ext uri="{FF2B5EF4-FFF2-40B4-BE49-F238E27FC236}">
-                <a16:creationId xmlns:a16="http://schemas.microsoft.com/office/drawing/2014/main" id="{BFA4B9B6-9B9D-4645-82A4-22FB586BA06D}"/>
-              </a:ext>
-            </a:extLst>
-          </p:cNvPr>
-          <p:cNvSpPr txBox="1"/>
-          <p:nvPr/>
-        </p:nvSpPr>
-        <p:spPr>
-          <a:xfrm>
-            <a:off x="1433296" y="6118473"/>
-            <a:ext cx="418704" cy="369332"/>
-          </a:xfrm>
-          <a:prstGeom prst="rect">
-            <a:avLst/>
-          </a:prstGeom>
-          <a:noFill/>
-        </p:spPr>
-        <p:txBody>
-          <a:bodyPr wrap="none" rtlCol="0">
-            <a:spAutoFit/>
-          </a:bodyPr>
-          <a:lstStyle/>
-          <a:p>
-            <a:r>
-              <a:rPr lang="en-US" dirty="0"/>
-              <a:t>17</a:t>
-            </a:r>
-          </a:p>
-        </p:txBody>
-      </p:sp>
-      <p:sp>
-        <p:nvSpPr>
-          <p:cNvPr id="42" name="Oval 41">
-            <a:extLst>
-              <a:ext uri="{FF2B5EF4-FFF2-40B4-BE49-F238E27FC236}">
-                <a16:creationId xmlns:a16="http://schemas.microsoft.com/office/drawing/2014/main" id="{775C5468-6323-564F-A2B0-C39B51EAEC71}"/>
-              </a:ext>
-            </a:extLst>
-          </p:cNvPr>
-          <p:cNvSpPr/>
-          <p:nvPr/>
-        </p:nvSpPr>
-        <p:spPr>
-          <a:xfrm>
-            <a:off x="1740478" y="948440"/>
-            <a:ext cx="709390" cy="1493546"/>
-          </a:xfrm>
-          <a:prstGeom prst="ellipse">
-            <a:avLst/>
-          </a:prstGeom>
-          <a:noFill/>
-          <a:ln w="25400">
-            <a:solidFill>
-              <a:srgbClr val="FF0000"/>
-            </a:solidFill>
-          </a:ln>
-        </p:spPr>
-        <p:style>
-          <a:lnRef idx="2">
-            <a:schemeClr val="accent1">
-              <a:shade val="50000"/>
-            </a:schemeClr>
-          </a:lnRef>
-          <a:fillRef idx="1">
-            <a:schemeClr val="accent1"/>
-          </a:fillRef>
-          <a:effectRef idx="0">
-            <a:schemeClr val="accent1"/>
-          </a:effectRef>
-          <a:fontRef idx="minor">
-            <a:schemeClr val="lt1"/>
-          </a:fontRef>
-        </p:style>
-        <p:txBody>
-          <a:bodyPr rot="0" spcFirstLastPara="0" vertOverflow="overflow" horzOverflow="overflow" vert="horz" wrap="square" lIns="91440" tIns="45720" rIns="91440" bIns="45720" numCol="1" spcCol="0" rtlCol="0" fromWordArt="0" anchor="ctr" anchorCtr="0" forceAA="0" compatLnSpc="1">
-            <a:prstTxWarp prst="textNoShape">
-              <a:avLst/>
-            </a:prstTxWarp>
-            <a:noAutofit/>
-          </a:bodyPr>
-          <a:lstStyle/>
-          <a:p>
-            <a:pPr algn="ctr"/>
-            <a:endParaRPr lang="en-US"/>
-          </a:p>
-        </p:txBody>
-      </p:sp>
-      <p:sp>
-        <p:nvSpPr>
           <p:cNvPr id="45" name="TextBox 44">
             <a:extLst>
               <a:ext uri="{FF2B5EF4-FFF2-40B4-BE49-F238E27FC236}">
@@ -6531,7 +6365,7 @@
         </p:nvSpPr>
         <p:spPr>
           <a:xfrm>
-            <a:off x="1970029" y="1597090"/>
+            <a:off x="1797907" y="1597090"/>
             <a:ext cx="301686" cy="369332"/>
           </a:xfrm>
           <a:prstGeom prst="rect">

--- a/Docs/Figs/AviaNZInterface.pptx
+++ b/Docs/Figs/AviaNZInterface.pptx
@@ -8,8 +8,8 @@
     <p:notesMasterId r:id="rId4"/>
   </p:notesMasterIdLst>
   <p:sldIdLst>
-    <p:sldId id="256" r:id="rId2"/>
-    <p:sldId id="257" r:id="rId3"/>
+    <p:sldId id="257" r:id="rId2"/>
+    <p:sldId id="256" r:id="rId3"/>
   </p:sldIdLst>
   <p:sldSz cx="12192000" cy="6858000"/>
   <p:notesSz cx="6858000" cy="9144000"/>
@@ -198,7 +198,7 @@
           <a:p>
             <a:fld id="{017935DE-2335-A54D-9486-17EB6A7DD4EE}" type="datetimeFigureOut">
               <a:rPr lang="en-US" smtClean="0"/>
-              <a:t>10/7/19</a:t>
+              <a:t>11/14/19</a:t>
             </a:fld>
             <a:endParaRPr lang="en-US"/>
           </a:p>
@@ -540,7 +540,7 @@
     </p:spTree>
     <p:extLst>
       <p:ext uri="{BB962C8B-B14F-4D97-AF65-F5344CB8AC3E}">
-        <p14:creationId xmlns:p14="http://schemas.microsoft.com/office/powerpoint/2010/main" val="24737425"/>
+        <p14:creationId xmlns:p14="http://schemas.microsoft.com/office/powerpoint/2010/main" val="3892395668"/>
       </p:ext>
     </p:extLst>
   </p:cSld>
@@ -624,7 +624,7 @@
     </p:spTree>
     <p:extLst>
       <p:ext uri="{BB962C8B-B14F-4D97-AF65-F5344CB8AC3E}">
-        <p14:creationId xmlns:p14="http://schemas.microsoft.com/office/powerpoint/2010/main" val="3892395668"/>
+        <p14:creationId xmlns:p14="http://schemas.microsoft.com/office/powerpoint/2010/main" val="24737425"/>
       </p:ext>
     </p:extLst>
   </p:cSld>
@@ -763,7 +763,7 @@
           <a:p>
             <a:fld id="{D9A07764-5A70-0842-A49A-71AE5C54F8D7}" type="datetimeFigureOut">
               <a:rPr lang="en-US" smtClean="0"/>
-              <a:t>10/7/19</a:t>
+              <a:t>11/14/19</a:t>
             </a:fld>
             <a:endParaRPr lang="en-US"/>
           </a:p>
@@ -931,7 +931,7 @@
           <a:p>
             <a:fld id="{D9A07764-5A70-0842-A49A-71AE5C54F8D7}" type="datetimeFigureOut">
               <a:rPr lang="en-US" smtClean="0"/>
-              <a:t>10/7/19</a:t>
+              <a:t>11/14/19</a:t>
             </a:fld>
             <a:endParaRPr lang="en-US"/>
           </a:p>
@@ -1109,7 +1109,7 @@
           <a:p>
             <a:fld id="{D9A07764-5A70-0842-A49A-71AE5C54F8D7}" type="datetimeFigureOut">
               <a:rPr lang="en-US" smtClean="0"/>
-              <a:t>10/7/19</a:t>
+              <a:t>11/14/19</a:t>
             </a:fld>
             <a:endParaRPr lang="en-US"/>
           </a:p>
@@ -1277,7 +1277,7 @@
           <a:p>
             <a:fld id="{D9A07764-5A70-0842-A49A-71AE5C54F8D7}" type="datetimeFigureOut">
               <a:rPr lang="en-US" smtClean="0"/>
-              <a:t>10/7/19</a:t>
+              <a:t>11/14/19</a:t>
             </a:fld>
             <a:endParaRPr lang="en-US"/>
           </a:p>
@@ -1522,7 +1522,7 @@
           <a:p>
             <a:fld id="{D9A07764-5A70-0842-A49A-71AE5C54F8D7}" type="datetimeFigureOut">
               <a:rPr lang="en-US" smtClean="0"/>
-              <a:t>10/7/19</a:t>
+              <a:t>11/14/19</a:t>
             </a:fld>
             <a:endParaRPr lang="en-US"/>
           </a:p>
@@ -1751,7 +1751,7 @@
           <a:p>
             <a:fld id="{D9A07764-5A70-0842-A49A-71AE5C54F8D7}" type="datetimeFigureOut">
               <a:rPr lang="en-US" smtClean="0"/>
-              <a:t>10/7/19</a:t>
+              <a:t>11/14/19</a:t>
             </a:fld>
             <a:endParaRPr lang="en-US"/>
           </a:p>
@@ -2115,7 +2115,7 @@
           <a:p>
             <a:fld id="{D9A07764-5A70-0842-A49A-71AE5C54F8D7}" type="datetimeFigureOut">
               <a:rPr lang="en-US" smtClean="0"/>
-              <a:t>10/7/19</a:t>
+              <a:t>11/14/19</a:t>
             </a:fld>
             <a:endParaRPr lang="en-US"/>
           </a:p>
@@ -2232,7 +2232,7 @@
           <a:p>
             <a:fld id="{D9A07764-5A70-0842-A49A-71AE5C54F8D7}" type="datetimeFigureOut">
               <a:rPr lang="en-US" smtClean="0"/>
-              <a:t>10/7/19</a:t>
+              <a:t>11/14/19</a:t>
             </a:fld>
             <a:endParaRPr lang="en-US"/>
           </a:p>
@@ -2327,7 +2327,7 @@
           <a:p>
             <a:fld id="{D9A07764-5A70-0842-A49A-71AE5C54F8D7}" type="datetimeFigureOut">
               <a:rPr lang="en-US" smtClean="0"/>
-              <a:t>10/7/19</a:t>
+              <a:t>11/14/19</a:t>
             </a:fld>
             <a:endParaRPr lang="en-US"/>
           </a:p>
@@ -2602,7 +2602,7 @@
           <a:p>
             <a:fld id="{D9A07764-5A70-0842-A49A-71AE5C54F8D7}" type="datetimeFigureOut">
               <a:rPr lang="en-US" smtClean="0"/>
-              <a:t>10/7/19</a:t>
+              <a:t>11/14/19</a:t>
             </a:fld>
             <a:endParaRPr lang="en-US"/>
           </a:p>
@@ -2854,7 +2854,7 @@
           <a:p>
             <a:fld id="{D9A07764-5A70-0842-A49A-71AE5C54F8D7}" type="datetimeFigureOut">
               <a:rPr lang="en-US" smtClean="0"/>
-              <a:t>10/7/19</a:t>
+              <a:t>11/14/19</a:t>
             </a:fld>
             <a:endParaRPr lang="en-US"/>
           </a:p>
@@ -3065,7 +3065,7 @@
           <a:p>
             <a:fld id="{D9A07764-5A70-0842-A49A-71AE5C54F8D7}" type="datetimeFigureOut">
               <a:rPr lang="en-US" smtClean="0"/>
-              <a:t>10/7/19</a:t>
+              <a:t>11/14/19</a:t>
             </a:fld>
             <a:endParaRPr lang="en-US"/>
           </a:p>
@@ -3472,10 +3472,10 @@
       </p:grpSpPr>
       <p:pic>
         <p:nvPicPr>
-          <p:cNvPr id="42" name="Picture 41">
+          <p:cNvPr id="3" name="Picture 2">
             <a:extLst>
               <a:ext uri="{FF2B5EF4-FFF2-40B4-BE49-F238E27FC236}">
-                <a16:creationId xmlns:a16="http://schemas.microsoft.com/office/drawing/2014/main" id="{14566750-CE8E-1544-8ABF-D7332A37291E}"/>
+                <a16:creationId xmlns:a16="http://schemas.microsoft.com/office/drawing/2014/main" id="{0F491D5F-2EE5-8949-AA02-6B608E0DE3E3}"/>
               </a:ext>
             </a:extLst>
           </p:cNvPr>
@@ -3491,8 +3491,8 @@
         </p:blipFill>
         <p:spPr>
           <a:xfrm>
-            <a:off x="14573" y="-2891"/>
-            <a:ext cx="12155423" cy="6878697"/>
+            <a:off x="-83514" y="119849"/>
+            <a:ext cx="12359028" cy="6993917"/>
           </a:xfrm>
           <a:prstGeom prst="rect">
             <a:avLst/>
@@ -3507,8 +3507,8 @@
         </p:nvSpPr>
         <p:spPr>
           <a:xfrm>
-            <a:off x="2628890" y="453875"/>
-            <a:ext cx="8945911" cy="489098"/>
+            <a:off x="2638164" y="573297"/>
+            <a:ext cx="8945911" cy="804444"/>
           </a:xfrm>
           <a:prstGeom prst="ellipse">
             <a:avLst/>
@@ -3553,7 +3553,7 @@
         </p:nvSpPr>
         <p:spPr>
           <a:xfrm>
-            <a:off x="2504580" y="1176145"/>
+            <a:off x="2530566" y="1717880"/>
             <a:ext cx="8945911" cy="485775"/>
           </a:xfrm>
           <a:prstGeom prst="ellipse">
@@ -3604,7 +3604,7 @@
         </p:nvSpPr>
         <p:spPr>
           <a:xfrm>
-            <a:off x="2259111" y="5534908"/>
+            <a:off x="2264991" y="5766871"/>
             <a:ext cx="2733675" cy="485775"/>
           </a:xfrm>
           <a:prstGeom prst="ellipse">
@@ -3655,8 +3655,8 @@
         </p:nvSpPr>
         <p:spPr>
           <a:xfrm>
-            <a:off x="5105856" y="59046"/>
-            <a:ext cx="2185987" cy="485775"/>
+            <a:off x="4271995" y="175412"/>
+            <a:ext cx="3344419" cy="369409"/>
           </a:xfrm>
           <a:prstGeom prst="ellipse">
             <a:avLst/>
@@ -3706,8 +3706,8 @@
         </p:nvSpPr>
         <p:spPr>
           <a:xfrm>
-            <a:off x="1710337" y="33690"/>
-            <a:ext cx="709390" cy="747617"/>
+            <a:off x="1659054" y="175412"/>
+            <a:ext cx="709390" cy="605102"/>
           </a:xfrm>
           <a:prstGeom prst="ellipse">
             <a:avLst/>
@@ -3757,8 +3757,8 @@
         </p:nvSpPr>
         <p:spPr>
           <a:xfrm>
-            <a:off x="3354501" y="6212373"/>
-            <a:ext cx="7874683" cy="406199"/>
+            <a:off x="2251163" y="6427848"/>
+            <a:ext cx="6868123" cy="406199"/>
           </a:xfrm>
           <a:prstGeom prst="ellipse">
             <a:avLst/>
@@ -3808,8 +3808,8 @@
         </p:nvSpPr>
         <p:spPr>
           <a:xfrm>
-            <a:off x="225116" y="4266015"/>
-            <a:ext cx="709390" cy="469382"/>
+            <a:off x="84901" y="4578999"/>
+            <a:ext cx="1601703" cy="922597"/>
           </a:xfrm>
           <a:prstGeom prst="ellipse">
             <a:avLst/>
@@ -3853,14 +3853,14 @@
       </p:sp>
       <p:sp>
         <p:nvSpPr>
-          <p:cNvPr id="12" name="Oval 11"/>
+          <p:cNvPr id="13" name="Oval 12"/>
           <p:cNvSpPr/>
           <p:nvPr/>
         </p:nvSpPr>
         <p:spPr>
           <a:xfrm>
-            <a:off x="899129" y="4317132"/>
-            <a:ext cx="855866" cy="495436"/>
+            <a:off x="18147" y="6133887"/>
+            <a:ext cx="1658502" cy="330437"/>
           </a:xfrm>
           <a:prstGeom prst="ellipse">
             <a:avLst/>
@@ -3904,14 +3904,14 @@
       </p:sp>
       <p:sp>
         <p:nvSpPr>
-          <p:cNvPr id="13" name="Oval 12"/>
+          <p:cNvPr id="14" name="Oval 13"/>
           <p:cNvSpPr/>
           <p:nvPr/>
         </p:nvSpPr>
         <p:spPr>
           <a:xfrm>
-            <a:off x="0" y="5734991"/>
-            <a:ext cx="2148775" cy="414050"/>
+            <a:off x="-22676" y="5505887"/>
+            <a:ext cx="1699765" cy="626570"/>
           </a:xfrm>
           <a:prstGeom prst="ellipse">
             <a:avLst/>
@@ -3955,14 +3955,14 @@
       </p:sp>
       <p:sp>
         <p:nvSpPr>
-          <p:cNvPr id="14" name="Oval 13"/>
+          <p:cNvPr id="15" name="Oval 14"/>
           <p:cNvSpPr/>
           <p:nvPr/>
         </p:nvSpPr>
         <p:spPr>
           <a:xfrm>
-            <a:off x="194740" y="4895460"/>
-            <a:ext cx="1366717" cy="924439"/>
+            <a:off x="151852" y="886415"/>
+            <a:ext cx="1334304" cy="3327965"/>
           </a:xfrm>
           <a:prstGeom prst="ellipse">
             <a:avLst/>
@@ -4006,14 +4006,279 @@
       </p:sp>
       <p:sp>
         <p:nvSpPr>
-          <p:cNvPr id="15" name="Oval 14"/>
+          <p:cNvPr id="16" name="TextBox 15"/>
+          <p:cNvSpPr txBox="1"/>
+          <p:nvPr/>
+        </p:nvSpPr>
+        <p:spPr>
+          <a:xfrm>
+            <a:off x="4599643" y="177799"/>
+            <a:ext cx="196702" cy="369332"/>
+          </a:xfrm>
+          <a:prstGeom prst="rect">
+            <a:avLst/>
+          </a:prstGeom>
+          <a:noFill/>
+        </p:spPr>
+        <p:txBody>
+          <a:bodyPr wrap="square" rtlCol="0">
+            <a:spAutoFit/>
+          </a:bodyPr>
+          <a:lstStyle/>
+          <a:p>
+            <a:r>
+              <a:rPr lang="en-US" dirty="0"/>
+              <a:t>1</a:t>
+            </a:r>
+          </a:p>
+        </p:txBody>
+      </p:sp>
+      <p:sp>
+        <p:nvSpPr>
+          <p:cNvPr id="17" name="TextBox 16"/>
+          <p:cNvSpPr txBox="1"/>
+          <p:nvPr/>
+        </p:nvSpPr>
+        <p:spPr>
+          <a:xfrm>
+            <a:off x="1055416" y="4928059"/>
+            <a:ext cx="482672" cy="369332"/>
+          </a:xfrm>
+          <a:prstGeom prst="rect">
+            <a:avLst/>
+          </a:prstGeom>
+          <a:noFill/>
+        </p:spPr>
+        <p:txBody>
+          <a:bodyPr wrap="square" rtlCol="0">
+            <a:spAutoFit/>
+          </a:bodyPr>
+          <a:lstStyle/>
+          <a:p>
+            <a:r>
+              <a:rPr lang="en-US" dirty="0"/>
+              <a:t>12</a:t>
+            </a:r>
+          </a:p>
+        </p:txBody>
+      </p:sp>
+      <p:sp>
+        <p:nvSpPr>
+          <p:cNvPr id="20" name="TextBox 19"/>
+          <p:cNvSpPr txBox="1"/>
+          <p:nvPr/>
+        </p:nvSpPr>
+        <p:spPr>
+          <a:xfrm>
+            <a:off x="3970309" y="5883314"/>
+            <a:ext cx="301686" cy="369332"/>
+          </a:xfrm>
+          <a:prstGeom prst="rect">
+            <a:avLst/>
+          </a:prstGeom>
+          <a:noFill/>
+        </p:spPr>
+        <p:txBody>
+          <a:bodyPr wrap="none" rtlCol="0">
+            <a:spAutoFit/>
+          </a:bodyPr>
+          <a:lstStyle/>
+          <a:p>
+            <a:r>
+              <a:rPr lang="en-US" dirty="0"/>
+              <a:t>7</a:t>
+            </a:r>
+          </a:p>
+        </p:txBody>
+      </p:sp>
+      <p:sp>
+        <p:nvSpPr>
+          <p:cNvPr id="21" name="TextBox 20"/>
+          <p:cNvSpPr txBox="1"/>
+          <p:nvPr/>
+        </p:nvSpPr>
+        <p:spPr>
+          <a:xfrm>
+            <a:off x="1119384" y="5634506"/>
+            <a:ext cx="418704" cy="369332"/>
+          </a:xfrm>
+          <a:prstGeom prst="rect">
+            <a:avLst/>
+          </a:prstGeom>
+          <a:noFill/>
+        </p:spPr>
+        <p:txBody>
+          <a:bodyPr wrap="none" rtlCol="0">
+            <a:spAutoFit/>
+          </a:bodyPr>
+          <a:lstStyle/>
+          <a:p>
+            <a:r>
+              <a:rPr lang="en-US" dirty="0"/>
+              <a:t>13</a:t>
+            </a:r>
+          </a:p>
+        </p:txBody>
+      </p:sp>
+      <p:sp>
+        <p:nvSpPr>
+          <p:cNvPr id="22" name="TextBox 21"/>
+          <p:cNvSpPr txBox="1"/>
+          <p:nvPr/>
+        </p:nvSpPr>
+        <p:spPr>
+          <a:xfrm>
+            <a:off x="5360899" y="6446281"/>
+            <a:ext cx="301686" cy="369332"/>
+          </a:xfrm>
+          <a:prstGeom prst="rect">
+            <a:avLst/>
+          </a:prstGeom>
+          <a:noFill/>
+        </p:spPr>
+        <p:txBody>
+          <a:bodyPr wrap="none" rtlCol="0">
+            <a:spAutoFit/>
+          </a:bodyPr>
+          <a:lstStyle/>
+          <a:p>
+            <a:r>
+              <a:rPr lang="en-US" dirty="0"/>
+              <a:t>8</a:t>
+            </a:r>
+          </a:p>
+        </p:txBody>
+      </p:sp>
+      <p:sp>
+        <p:nvSpPr>
+          <p:cNvPr id="23" name="TextBox 22"/>
+          <p:cNvSpPr txBox="1"/>
+          <p:nvPr/>
+        </p:nvSpPr>
+        <p:spPr>
+          <a:xfrm>
+            <a:off x="2850525" y="1781756"/>
+            <a:ext cx="301686" cy="369332"/>
+          </a:xfrm>
+          <a:prstGeom prst="rect">
+            <a:avLst/>
+          </a:prstGeom>
+          <a:noFill/>
+        </p:spPr>
+        <p:txBody>
+          <a:bodyPr wrap="none" rtlCol="0">
+            <a:spAutoFit/>
+          </a:bodyPr>
+          <a:lstStyle/>
+          <a:p>
+            <a:r>
+              <a:rPr lang="en-US" dirty="0"/>
+              <a:t>3</a:t>
+            </a:r>
+          </a:p>
+        </p:txBody>
+      </p:sp>
+      <p:sp>
+        <p:nvSpPr>
+          <p:cNvPr id="24" name="TextBox 23"/>
+          <p:cNvSpPr txBox="1"/>
+          <p:nvPr/>
+        </p:nvSpPr>
+        <p:spPr>
+          <a:xfrm>
+            <a:off x="1862906" y="203965"/>
+            <a:ext cx="301686" cy="369332"/>
+          </a:xfrm>
+          <a:prstGeom prst="rect">
+            <a:avLst/>
+          </a:prstGeom>
+          <a:noFill/>
+        </p:spPr>
+        <p:txBody>
+          <a:bodyPr wrap="none" rtlCol="0">
+            <a:spAutoFit/>
+          </a:bodyPr>
+          <a:lstStyle/>
+          <a:p>
+            <a:r>
+              <a:rPr lang="en-US" dirty="0"/>
+              <a:t>4</a:t>
+            </a:r>
+          </a:p>
+        </p:txBody>
+      </p:sp>
+      <p:sp>
+        <p:nvSpPr>
+          <p:cNvPr id="25" name="TextBox 24"/>
+          <p:cNvSpPr txBox="1"/>
+          <p:nvPr/>
+        </p:nvSpPr>
+        <p:spPr>
+          <a:xfrm>
+            <a:off x="988632" y="1460010"/>
+            <a:ext cx="726360" cy="369332"/>
+          </a:xfrm>
+          <a:prstGeom prst="rect">
+            <a:avLst/>
+          </a:prstGeom>
+          <a:noFill/>
+        </p:spPr>
+        <p:txBody>
+          <a:bodyPr wrap="square" rtlCol="0">
+            <a:spAutoFit/>
+          </a:bodyPr>
+          <a:lstStyle/>
+          <a:p>
+            <a:r>
+              <a:rPr lang="en-US" dirty="0"/>
+              <a:t>11</a:t>
+            </a:r>
+          </a:p>
+        </p:txBody>
+      </p:sp>
+      <p:sp>
+        <p:nvSpPr>
+          <p:cNvPr id="26" name="TextBox 25"/>
+          <p:cNvSpPr txBox="1"/>
+          <p:nvPr/>
+        </p:nvSpPr>
+        <p:spPr>
+          <a:xfrm>
+            <a:off x="2825856" y="780513"/>
+            <a:ext cx="404187" cy="369332"/>
+          </a:xfrm>
+          <a:prstGeom prst="rect">
+            <a:avLst/>
+          </a:prstGeom>
+          <a:noFill/>
+        </p:spPr>
+        <p:txBody>
+          <a:bodyPr wrap="square" rtlCol="0">
+            <a:spAutoFit/>
+          </a:bodyPr>
+          <a:lstStyle/>
+          <a:p>
+            <a:r>
+              <a:rPr lang="en-US" dirty="0">
+                <a:solidFill>
+                  <a:schemeClr val="bg1"/>
+                </a:solidFill>
+              </a:rPr>
+              <a:t>2</a:t>
+            </a:r>
+          </a:p>
+        </p:txBody>
+      </p:sp>
+      <p:sp>
+        <p:nvSpPr>
+          <p:cNvPr id="28" name="Oval 27"/>
           <p:cNvSpPr/>
           <p:nvPr/>
         </p:nvSpPr>
         <p:spPr>
           <a:xfrm>
-            <a:off x="227153" y="886415"/>
-            <a:ext cx="1334304" cy="3327965"/>
+            <a:off x="2463983" y="2883933"/>
+            <a:ext cx="9294274" cy="2777206"/>
           </a:xfrm>
           <a:prstGeom prst="ellipse">
             <a:avLst/>
@@ -4057,14 +4322,14 @@
       </p:sp>
       <p:sp>
         <p:nvSpPr>
-          <p:cNvPr id="16" name="TextBox 15"/>
+          <p:cNvPr id="30" name="TextBox 29"/>
           <p:cNvSpPr txBox="1"/>
           <p:nvPr/>
         </p:nvSpPr>
         <p:spPr>
           <a:xfrm>
-            <a:off x="5105856" y="96259"/>
-            <a:ext cx="196702" cy="369332"/>
+            <a:off x="2530566" y="4084652"/>
+            <a:ext cx="404250" cy="369332"/>
           </a:xfrm>
           <a:prstGeom prst="rect">
             <a:avLst/>
@@ -4078,312 +4343,26 @@
           <a:lstStyle/>
           <a:p>
             <a:r>
-              <a:rPr lang="en-US" dirty="0"/>
-              <a:t>1</a:t>
-            </a:r>
-          </a:p>
-        </p:txBody>
-      </p:sp>
-      <p:sp>
-        <p:nvSpPr>
-          <p:cNvPr id="17" name="TextBox 16"/>
-          <p:cNvSpPr txBox="1"/>
-          <p:nvPr/>
-        </p:nvSpPr>
-        <p:spPr>
-          <a:xfrm>
-            <a:off x="404092" y="4213256"/>
-            <a:ext cx="482672" cy="369332"/>
-          </a:xfrm>
-          <a:prstGeom prst="rect">
-            <a:avLst/>
-          </a:prstGeom>
-          <a:noFill/>
-        </p:spPr>
-        <p:txBody>
-          <a:bodyPr wrap="square" rtlCol="0">
-            <a:spAutoFit/>
-          </a:bodyPr>
-          <a:lstStyle/>
-          <a:p>
-            <a:r>
-              <a:rPr lang="en-US" dirty="0"/>
-              <a:t>13</a:t>
-            </a:r>
-          </a:p>
-        </p:txBody>
-      </p:sp>
-      <p:sp>
-        <p:nvSpPr>
-          <p:cNvPr id="18" name="TextBox 17"/>
-          <p:cNvSpPr txBox="1"/>
-          <p:nvPr/>
-        </p:nvSpPr>
-        <p:spPr>
-          <a:xfrm>
-            <a:off x="1100248" y="4225538"/>
-            <a:ext cx="418704" cy="369332"/>
-          </a:xfrm>
-          <a:prstGeom prst="rect">
-            <a:avLst/>
-          </a:prstGeom>
-          <a:noFill/>
-        </p:spPr>
-        <p:txBody>
-          <a:bodyPr wrap="none" rtlCol="0">
-            <a:spAutoFit/>
-          </a:bodyPr>
-          <a:lstStyle/>
-          <a:p>
-            <a:r>
-              <a:rPr lang="en-US" dirty="0"/>
-              <a:t>14</a:t>
-            </a:r>
-          </a:p>
-        </p:txBody>
-      </p:sp>
-      <p:sp>
-        <p:nvSpPr>
-          <p:cNvPr id="19" name="TextBox 18"/>
-          <p:cNvSpPr txBox="1"/>
-          <p:nvPr/>
-        </p:nvSpPr>
-        <p:spPr>
-          <a:xfrm>
-            <a:off x="8478" y="4630763"/>
-            <a:ext cx="418704" cy="369332"/>
-          </a:xfrm>
-          <a:prstGeom prst="rect">
-            <a:avLst/>
-          </a:prstGeom>
-          <a:noFill/>
-        </p:spPr>
-        <p:txBody>
-          <a:bodyPr wrap="none" rtlCol="0">
-            <a:spAutoFit/>
-          </a:bodyPr>
-          <a:lstStyle/>
-          <a:p>
-            <a:r>
-              <a:rPr lang="en-US" dirty="0"/>
-              <a:t>15</a:t>
-            </a:r>
-          </a:p>
-        </p:txBody>
-      </p:sp>
-      <p:sp>
-        <p:nvSpPr>
-          <p:cNvPr id="20" name="TextBox 19"/>
-          <p:cNvSpPr txBox="1"/>
-          <p:nvPr/>
-        </p:nvSpPr>
-        <p:spPr>
-          <a:xfrm>
-            <a:off x="4121152" y="5709003"/>
-            <a:ext cx="301686" cy="369332"/>
-          </a:xfrm>
-          <a:prstGeom prst="rect">
-            <a:avLst/>
-          </a:prstGeom>
-          <a:noFill/>
-        </p:spPr>
-        <p:txBody>
-          <a:bodyPr wrap="none" rtlCol="0">
-            <a:spAutoFit/>
-          </a:bodyPr>
-          <a:lstStyle/>
-          <a:p>
-            <a:r>
-              <a:rPr lang="en-US" dirty="0"/>
-              <a:t>8</a:t>
-            </a:r>
-          </a:p>
-        </p:txBody>
-      </p:sp>
-      <p:sp>
-        <p:nvSpPr>
-          <p:cNvPr id="21" name="TextBox 20"/>
-          <p:cNvSpPr txBox="1"/>
-          <p:nvPr/>
-        </p:nvSpPr>
-        <p:spPr>
-          <a:xfrm>
-            <a:off x="1142753" y="5139547"/>
-            <a:ext cx="418704" cy="369332"/>
-          </a:xfrm>
-          <a:prstGeom prst="rect">
-            <a:avLst/>
-          </a:prstGeom>
-          <a:noFill/>
-        </p:spPr>
-        <p:txBody>
-          <a:bodyPr wrap="none" rtlCol="0">
-            <a:spAutoFit/>
-          </a:bodyPr>
-          <a:lstStyle/>
-          <a:p>
-            <a:r>
-              <a:rPr lang="en-US" dirty="0"/>
-              <a:t>16</a:t>
-            </a:r>
-          </a:p>
-        </p:txBody>
-      </p:sp>
-      <p:sp>
-        <p:nvSpPr>
-          <p:cNvPr id="22" name="TextBox 21"/>
-          <p:cNvSpPr txBox="1"/>
-          <p:nvPr/>
-        </p:nvSpPr>
-        <p:spPr>
-          <a:xfrm>
-            <a:off x="3970309" y="6197915"/>
-            <a:ext cx="301686" cy="369332"/>
-          </a:xfrm>
-          <a:prstGeom prst="rect">
-            <a:avLst/>
-          </a:prstGeom>
-          <a:noFill/>
-        </p:spPr>
-        <p:txBody>
-          <a:bodyPr wrap="none" rtlCol="0">
-            <a:spAutoFit/>
-          </a:bodyPr>
-          <a:lstStyle/>
-          <a:p>
-            <a:r>
-              <a:rPr lang="en-US" dirty="0"/>
-              <a:t>9</a:t>
-            </a:r>
-          </a:p>
-        </p:txBody>
-      </p:sp>
-      <p:sp>
-        <p:nvSpPr>
-          <p:cNvPr id="23" name="TextBox 22"/>
-          <p:cNvSpPr txBox="1"/>
-          <p:nvPr/>
-        </p:nvSpPr>
-        <p:spPr>
-          <a:xfrm>
-            <a:off x="2884045" y="1223572"/>
-            <a:ext cx="301686" cy="369332"/>
-          </a:xfrm>
-          <a:prstGeom prst="rect">
-            <a:avLst/>
-          </a:prstGeom>
-          <a:noFill/>
-        </p:spPr>
-        <p:txBody>
-          <a:bodyPr wrap="none" rtlCol="0">
-            <a:spAutoFit/>
-          </a:bodyPr>
-          <a:lstStyle/>
-          <a:p>
-            <a:r>
-              <a:rPr lang="en-US" dirty="0"/>
-              <a:t>3</a:t>
-            </a:r>
-          </a:p>
-        </p:txBody>
-      </p:sp>
-      <p:sp>
-        <p:nvSpPr>
-          <p:cNvPr id="24" name="TextBox 23"/>
-          <p:cNvSpPr txBox="1"/>
-          <p:nvPr/>
-        </p:nvSpPr>
-        <p:spPr>
-          <a:xfrm>
-            <a:off x="1913351" y="316731"/>
-            <a:ext cx="301686" cy="369332"/>
-          </a:xfrm>
-          <a:prstGeom prst="rect">
-            <a:avLst/>
-          </a:prstGeom>
-          <a:noFill/>
-        </p:spPr>
-        <p:txBody>
-          <a:bodyPr wrap="none" rtlCol="0">
-            <a:spAutoFit/>
-          </a:bodyPr>
-          <a:lstStyle/>
-          <a:p>
-            <a:r>
-              <a:rPr lang="en-US" dirty="0"/>
-              <a:t>4</a:t>
-            </a:r>
-          </a:p>
-        </p:txBody>
-      </p:sp>
-      <p:sp>
-        <p:nvSpPr>
-          <p:cNvPr id="25" name="TextBox 24"/>
-          <p:cNvSpPr txBox="1"/>
-          <p:nvPr/>
-        </p:nvSpPr>
-        <p:spPr>
-          <a:xfrm>
-            <a:off x="1125640" y="1676102"/>
-            <a:ext cx="726360" cy="369332"/>
-          </a:xfrm>
-          <a:prstGeom prst="rect">
-            <a:avLst/>
-          </a:prstGeom>
-          <a:noFill/>
-        </p:spPr>
-        <p:txBody>
-          <a:bodyPr wrap="square" rtlCol="0">
-            <a:spAutoFit/>
-          </a:bodyPr>
-          <a:lstStyle/>
-          <a:p>
-            <a:r>
-              <a:rPr lang="en-US" dirty="0"/>
-              <a:t>12</a:t>
-            </a:r>
-          </a:p>
-        </p:txBody>
-      </p:sp>
-      <p:sp>
-        <p:nvSpPr>
-          <p:cNvPr id="26" name="TextBox 25"/>
-          <p:cNvSpPr txBox="1"/>
-          <p:nvPr/>
-        </p:nvSpPr>
-        <p:spPr>
-          <a:xfrm>
-            <a:off x="2843769" y="497304"/>
-            <a:ext cx="404187" cy="369332"/>
-          </a:xfrm>
-          <a:prstGeom prst="rect">
-            <a:avLst/>
-          </a:prstGeom>
-          <a:noFill/>
-        </p:spPr>
-        <p:txBody>
-          <a:bodyPr wrap="square" rtlCol="0">
-            <a:spAutoFit/>
-          </a:bodyPr>
-          <a:lstStyle/>
-          <a:p>
-            <a:r>
-              <a:rPr lang="en-US" dirty="0"/>
-              <a:t>2</a:t>
-            </a:r>
-          </a:p>
-        </p:txBody>
-      </p:sp>
-      <p:sp>
-        <p:nvSpPr>
-          <p:cNvPr id="27" name="Oval 26"/>
+              <a:rPr lang="en-US" dirty="0">
+                <a:solidFill>
+                  <a:schemeClr val="bg1"/>
+                </a:solidFill>
+              </a:rPr>
+              <a:t>6</a:t>
+            </a:r>
+          </a:p>
+        </p:txBody>
+      </p:sp>
+      <p:sp>
+        <p:nvSpPr>
+          <p:cNvPr id="31" name="Oval 30"/>
           <p:cNvSpPr/>
           <p:nvPr/>
         </p:nvSpPr>
         <p:spPr>
           <a:xfrm>
-            <a:off x="2270806" y="1814557"/>
-            <a:ext cx="9508818" cy="1228774"/>
+            <a:off x="55031" y="6468614"/>
+            <a:ext cx="1650116" cy="276281"/>
           </a:xfrm>
           <a:prstGeom prst="ellipse">
             <a:avLst/>
@@ -4427,14 +4406,43 @@
       </p:sp>
       <p:sp>
         <p:nvSpPr>
-          <p:cNvPr id="28" name="Oval 27"/>
+          <p:cNvPr id="33" name="TextBox 32"/>
+          <p:cNvSpPr txBox="1"/>
+          <p:nvPr/>
+        </p:nvSpPr>
+        <p:spPr>
+          <a:xfrm>
+            <a:off x="1256804" y="6136747"/>
+            <a:ext cx="418704" cy="369332"/>
+          </a:xfrm>
+          <a:prstGeom prst="rect">
+            <a:avLst/>
+          </a:prstGeom>
+          <a:noFill/>
+        </p:spPr>
+        <p:txBody>
+          <a:bodyPr wrap="none" rtlCol="0">
+            <a:spAutoFit/>
+          </a:bodyPr>
+          <a:lstStyle/>
+          <a:p>
+            <a:r>
+              <a:rPr lang="en-US" dirty="0"/>
+              <a:t>14</a:t>
+            </a:r>
+          </a:p>
+        </p:txBody>
+      </p:sp>
+      <p:sp>
+        <p:nvSpPr>
+          <p:cNvPr id="34" name="Oval 33"/>
           <p:cNvSpPr/>
           <p:nvPr/>
         </p:nvSpPr>
         <p:spPr>
           <a:xfrm>
-            <a:off x="2485350" y="3560781"/>
-            <a:ext cx="9294274" cy="1836057"/>
+            <a:off x="-144513" y="6665116"/>
+            <a:ext cx="932476" cy="252608"/>
           </a:xfrm>
           <a:prstGeom prst="ellipse">
             <a:avLst/>
@@ -4478,14 +4486,14 @@
       </p:sp>
       <p:sp>
         <p:nvSpPr>
-          <p:cNvPr id="29" name="TextBox 28"/>
+          <p:cNvPr id="35" name="TextBox 34"/>
           <p:cNvSpPr txBox="1"/>
           <p:nvPr/>
         </p:nvSpPr>
         <p:spPr>
           <a:xfrm>
-            <a:off x="2334507" y="2257211"/>
-            <a:ext cx="301686" cy="369332"/>
+            <a:off x="321725" y="6598203"/>
+            <a:ext cx="418704" cy="369332"/>
           </a:xfrm>
           <a:prstGeom prst="rect">
             <a:avLst/>
@@ -4500,50 +4508,21 @@
           <a:p>
             <a:r>
               <a:rPr lang="en-US" dirty="0"/>
-              <a:t>6</a:t>
-            </a:r>
-          </a:p>
-        </p:txBody>
-      </p:sp>
-      <p:sp>
-        <p:nvSpPr>
-          <p:cNvPr id="30" name="TextBox 29"/>
-          <p:cNvSpPr txBox="1"/>
-          <p:nvPr/>
-        </p:nvSpPr>
-        <p:spPr>
-          <a:xfrm>
-            <a:off x="5809107" y="3445260"/>
-            <a:ext cx="404250" cy="369332"/>
-          </a:xfrm>
-          <a:prstGeom prst="rect">
-            <a:avLst/>
-          </a:prstGeom>
-          <a:noFill/>
-        </p:spPr>
-        <p:txBody>
-          <a:bodyPr wrap="square" rtlCol="0">
-            <a:spAutoFit/>
-          </a:bodyPr>
-          <a:lstStyle/>
-          <a:p>
-            <a:r>
-              <a:rPr lang="en-US" dirty="0"/>
-              <a:t>7</a:t>
-            </a:r>
-          </a:p>
-        </p:txBody>
-      </p:sp>
-      <p:sp>
-        <p:nvSpPr>
-          <p:cNvPr id="31" name="Oval 30"/>
+              <a:t>16</a:t>
+            </a:r>
+          </a:p>
+        </p:txBody>
+      </p:sp>
+      <p:sp>
+        <p:nvSpPr>
+          <p:cNvPr id="38" name="Oval 37"/>
           <p:cNvSpPr/>
           <p:nvPr/>
         </p:nvSpPr>
         <p:spPr>
           <a:xfrm>
-            <a:off x="-79640" y="6102335"/>
-            <a:ext cx="2250414" cy="406199"/>
+            <a:off x="1200487" y="432085"/>
+            <a:ext cx="449829" cy="526680"/>
           </a:xfrm>
           <a:prstGeom prst="ellipse">
             <a:avLst/>
@@ -4587,13 +4566,13 @@
       </p:sp>
       <p:sp>
         <p:nvSpPr>
-          <p:cNvPr id="33" name="TextBox 32"/>
+          <p:cNvPr id="39" name="TextBox 38"/>
           <p:cNvSpPr txBox="1"/>
           <p:nvPr/>
         </p:nvSpPr>
         <p:spPr>
           <a:xfrm>
-            <a:off x="1369293" y="5715264"/>
+            <a:off x="1214655" y="612255"/>
             <a:ext cx="418704" cy="369332"/>
           </a:xfrm>
           <a:prstGeom prst="rect">
@@ -4609,21 +4588,21 @@
           <a:p>
             <a:r>
               <a:rPr lang="en-US" dirty="0"/>
-              <a:t>17</a:t>
-            </a:r>
-          </a:p>
-        </p:txBody>
-      </p:sp>
-      <p:sp>
-        <p:nvSpPr>
-          <p:cNvPr id="34" name="Oval 33"/>
+              <a:t>10</a:t>
+            </a:r>
+          </a:p>
+        </p:txBody>
+      </p:sp>
+      <p:sp>
+        <p:nvSpPr>
+          <p:cNvPr id="40" name="Oval 39"/>
           <p:cNvSpPr/>
           <p:nvPr/>
         </p:nvSpPr>
         <p:spPr>
           <a:xfrm>
-            <a:off x="-33347" y="6418223"/>
-            <a:ext cx="932476" cy="312852"/>
+            <a:off x="9347052" y="6557334"/>
+            <a:ext cx="2881970" cy="406199"/>
           </a:xfrm>
           <a:prstGeom prst="ellipse">
             <a:avLst/>
@@ -4667,253 +4646,13 @@
       </p:sp>
       <p:sp>
         <p:nvSpPr>
-          <p:cNvPr id="35" name="TextBox 34"/>
-          <p:cNvSpPr txBox="1"/>
-          <p:nvPr/>
-        </p:nvSpPr>
-        <p:spPr>
-          <a:xfrm>
-            <a:off x="515802" y="6418223"/>
-            <a:ext cx="418704" cy="369332"/>
-          </a:xfrm>
-          <a:prstGeom prst="rect">
-            <a:avLst/>
-          </a:prstGeom>
-          <a:noFill/>
-        </p:spPr>
-        <p:txBody>
-          <a:bodyPr wrap="none" rtlCol="0">
-            <a:spAutoFit/>
-          </a:bodyPr>
-          <a:lstStyle/>
-          <a:p>
-            <a:r>
-              <a:rPr lang="en-US" dirty="0"/>
-              <a:t>19</a:t>
-            </a:r>
-          </a:p>
-        </p:txBody>
-      </p:sp>
-      <p:sp>
-        <p:nvSpPr>
-          <p:cNvPr id="36" name="Oval 35"/>
-          <p:cNvSpPr/>
-          <p:nvPr/>
-        </p:nvSpPr>
-        <p:spPr>
-          <a:xfrm>
-            <a:off x="1700978" y="1095840"/>
-            <a:ext cx="709390" cy="747617"/>
-          </a:xfrm>
-          <a:prstGeom prst="ellipse">
-            <a:avLst/>
-          </a:prstGeom>
-          <a:noFill/>
-          <a:ln w="25400">
-            <a:solidFill>
-              <a:srgbClr val="FF0000"/>
-            </a:solidFill>
-          </a:ln>
-        </p:spPr>
-        <p:style>
-          <a:lnRef idx="2">
-            <a:schemeClr val="accent1">
-              <a:shade val="50000"/>
-            </a:schemeClr>
-          </a:lnRef>
-          <a:fillRef idx="1">
-            <a:schemeClr val="accent1"/>
-          </a:fillRef>
-          <a:effectRef idx="0">
-            <a:schemeClr val="accent1"/>
-          </a:effectRef>
-          <a:fontRef idx="minor">
-            <a:schemeClr val="lt1"/>
-          </a:fontRef>
-        </p:style>
-        <p:txBody>
-          <a:bodyPr rot="0" spcFirstLastPara="0" vertOverflow="overflow" horzOverflow="overflow" vert="horz" wrap="square" lIns="91440" tIns="45720" rIns="91440" bIns="45720" numCol="1" spcCol="0" rtlCol="0" fromWordArt="0" anchor="ctr" anchorCtr="0" forceAA="0" compatLnSpc="1">
-            <a:prstTxWarp prst="textNoShape">
-              <a:avLst/>
-            </a:prstTxWarp>
-            <a:noAutofit/>
-          </a:bodyPr>
-          <a:lstStyle/>
-          <a:p>
-            <a:pPr algn="ctr"/>
-            <a:endParaRPr lang="en-US"/>
-          </a:p>
-        </p:txBody>
-      </p:sp>
-      <p:sp>
-        <p:nvSpPr>
-          <p:cNvPr id="37" name="TextBox 36"/>
-          <p:cNvSpPr txBox="1"/>
-          <p:nvPr/>
-        </p:nvSpPr>
-        <p:spPr>
-          <a:xfrm>
-            <a:off x="1926379" y="1553149"/>
-            <a:ext cx="301686" cy="369332"/>
-          </a:xfrm>
-          <a:prstGeom prst="rect">
-            <a:avLst/>
-          </a:prstGeom>
-          <a:noFill/>
-        </p:spPr>
-        <p:txBody>
-          <a:bodyPr wrap="none" rtlCol="0">
-            <a:spAutoFit/>
-          </a:bodyPr>
-          <a:lstStyle/>
-          <a:p>
-            <a:r>
-              <a:rPr lang="en-US" dirty="0"/>
-              <a:t>5</a:t>
-            </a:r>
-          </a:p>
-        </p:txBody>
-      </p:sp>
-      <p:sp>
-        <p:nvSpPr>
-          <p:cNvPr id="38" name="Oval 37"/>
-          <p:cNvSpPr/>
-          <p:nvPr/>
-        </p:nvSpPr>
-        <p:spPr>
-          <a:xfrm>
-            <a:off x="1275790" y="75845"/>
-            <a:ext cx="449829" cy="747617"/>
-          </a:xfrm>
-          <a:prstGeom prst="ellipse">
-            <a:avLst/>
-          </a:prstGeom>
-          <a:noFill/>
-          <a:ln w="25400">
-            <a:solidFill>
-              <a:srgbClr val="FF0000"/>
-            </a:solidFill>
-          </a:ln>
-        </p:spPr>
-        <p:style>
-          <a:lnRef idx="2">
-            <a:schemeClr val="accent1">
-              <a:shade val="50000"/>
-            </a:schemeClr>
-          </a:lnRef>
-          <a:fillRef idx="1">
-            <a:schemeClr val="accent1"/>
-          </a:fillRef>
-          <a:effectRef idx="0">
-            <a:schemeClr val="accent1"/>
-          </a:effectRef>
-          <a:fontRef idx="minor">
-            <a:schemeClr val="lt1"/>
-          </a:fontRef>
-        </p:style>
-        <p:txBody>
-          <a:bodyPr rot="0" spcFirstLastPara="0" vertOverflow="overflow" horzOverflow="overflow" vert="horz" wrap="square" lIns="91440" tIns="45720" rIns="91440" bIns="45720" numCol="1" spcCol="0" rtlCol="0" fromWordArt="0" anchor="ctr" anchorCtr="0" forceAA="0" compatLnSpc="1">
-            <a:prstTxWarp prst="textNoShape">
-              <a:avLst/>
-            </a:prstTxWarp>
-            <a:noAutofit/>
-          </a:bodyPr>
-          <a:lstStyle/>
-          <a:p>
-            <a:pPr algn="ctr"/>
-            <a:endParaRPr lang="en-US"/>
-          </a:p>
-        </p:txBody>
-      </p:sp>
-      <p:sp>
-        <p:nvSpPr>
-          <p:cNvPr id="39" name="TextBox 38"/>
-          <p:cNvSpPr txBox="1"/>
-          <p:nvPr/>
-        </p:nvSpPr>
-        <p:spPr>
-          <a:xfrm>
-            <a:off x="1265358" y="438059"/>
-            <a:ext cx="418704" cy="369332"/>
-          </a:xfrm>
-          <a:prstGeom prst="rect">
-            <a:avLst/>
-          </a:prstGeom>
-          <a:noFill/>
-        </p:spPr>
-        <p:txBody>
-          <a:bodyPr wrap="none" rtlCol="0">
-            <a:spAutoFit/>
-          </a:bodyPr>
-          <a:lstStyle/>
-          <a:p>
-            <a:r>
-              <a:rPr lang="en-US" dirty="0"/>
-              <a:t>11</a:t>
-            </a:r>
-          </a:p>
-        </p:txBody>
-      </p:sp>
-      <p:sp>
-        <p:nvSpPr>
-          <p:cNvPr id="40" name="Oval 39"/>
-          <p:cNvSpPr/>
-          <p:nvPr/>
-        </p:nvSpPr>
-        <p:spPr>
-          <a:xfrm>
-            <a:off x="9346055" y="6294400"/>
-            <a:ext cx="2881970" cy="406199"/>
-          </a:xfrm>
-          <a:prstGeom prst="ellipse">
-            <a:avLst/>
-          </a:prstGeom>
-          <a:noFill/>
-          <a:ln w="25400">
-            <a:solidFill>
-              <a:srgbClr val="FF0000"/>
-            </a:solidFill>
-          </a:ln>
-        </p:spPr>
-        <p:style>
-          <a:lnRef idx="2">
-            <a:schemeClr val="accent1">
-              <a:shade val="50000"/>
-            </a:schemeClr>
-          </a:lnRef>
-          <a:fillRef idx="1">
-            <a:schemeClr val="accent1"/>
-          </a:fillRef>
-          <a:effectRef idx="0">
-            <a:schemeClr val="accent1"/>
-          </a:effectRef>
-          <a:fontRef idx="minor">
-            <a:schemeClr val="lt1"/>
-          </a:fontRef>
-        </p:style>
-        <p:txBody>
-          <a:bodyPr rot="0" spcFirstLastPara="0" vertOverflow="overflow" horzOverflow="overflow" vert="horz" wrap="square" lIns="91440" tIns="45720" rIns="91440" bIns="45720" numCol="1" spcCol="0" rtlCol="0" fromWordArt="0" anchor="ctr" anchorCtr="0" forceAA="0" compatLnSpc="1">
-            <a:prstTxWarp prst="textNoShape">
-              <a:avLst/>
-            </a:prstTxWarp>
-            <a:noAutofit/>
-          </a:bodyPr>
-          <a:lstStyle/>
-          <a:p>
-            <a:pPr algn="ctr"/>
-            <a:endParaRPr lang="en-US"/>
-          </a:p>
-        </p:txBody>
-      </p:sp>
-      <p:sp>
-        <p:nvSpPr>
           <p:cNvPr id="41" name="TextBox 40"/>
           <p:cNvSpPr txBox="1"/>
           <p:nvPr/>
         </p:nvSpPr>
         <p:spPr>
           <a:xfrm>
-            <a:off x="9555550" y="6312833"/>
+            <a:off x="9675397" y="6567882"/>
             <a:ext cx="570296" cy="369332"/>
           </a:xfrm>
           <a:prstGeom prst="rect">
@@ -4929,65 +4668,8 @@
           <a:p>
             <a:r>
               <a:rPr lang="en-US" dirty="0"/>
-              <a:t>10</a:t>
-            </a:r>
-          </a:p>
-        </p:txBody>
-      </p:sp>
-      <p:sp>
-        <p:nvSpPr>
-          <p:cNvPr id="43" name="Oval 42">
-            <a:extLst>
-              <a:ext uri="{FF2B5EF4-FFF2-40B4-BE49-F238E27FC236}">
-                <a16:creationId xmlns:a16="http://schemas.microsoft.com/office/drawing/2014/main" id="{BB78B7CD-9D8F-0149-9ACA-985A9333370C}"/>
-              </a:ext>
-            </a:extLst>
-          </p:cNvPr>
-          <p:cNvSpPr/>
-          <p:nvPr/>
-        </p:nvSpPr>
-        <p:spPr>
-          <a:xfrm>
-            <a:off x="194740" y="4592300"/>
-            <a:ext cx="709390" cy="469382"/>
-          </a:xfrm>
-          <a:prstGeom prst="ellipse">
-            <a:avLst/>
-          </a:prstGeom>
-          <a:noFill/>
-          <a:ln w="25400">
-            <a:solidFill>
-              <a:srgbClr val="FF0000"/>
-            </a:solidFill>
-          </a:ln>
-        </p:spPr>
-        <p:style>
-          <a:lnRef idx="2">
-            <a:schemeClr val="accent1">
-              <a:shade val="50000"/>
-            </a:schemeClr>
-          </a:lnRef>
-          <a:fillRef idx="1">
-            <a:schemeClr val="accent1"/>
-          </a:fillRef>
-          <a:effectRef idx="0">
-            <a:schemeClr val="accent1"/>
-          </a:effectRef>
-          <a:fontRef idx="minor">
-            <a:schemeClr val="lt1"/>
-          </a:fontRef>
-        </p:style>
-        <p:txBody>
-          <a:bodyPr rot="0" spcFirstLastPara="0" vertOverflow="overflow" horzOverflow="overflow" vert="horz" wrap="square" lIns="91440" tIns="45720" rIns="91440" bIns="45720" numCol="1" spcCol="0" rtlCol="0" fromWordArt="0" anchor="ctr" anchorCtr="0" forceAA="0" compatLnSpc="1">
-            <a:prstTxWarp prst="textNoShape">
-              <a:avLst/>
-            </a:prstTxWarp>
-            <a:noAutofit/>
-          </a:bodyPr>
-          <a:lstStyle/>
-          <a:p>
-            <a:pPr algn="ctr"/>
-            <a:endParaRPr lang="en-US"/>
+              <a:t>9</a:t>
+            </a:r>
           </a:p>
         </p:txBody>
       </p:sp>
@@ -5005,7 +4687,7 @@
         </p:nvSpPr>
         <p:spPr>
           <a:xfrm>
-            <a:off x="1433296" y="6118473"/>
+            <a:off x="1267900" y="6420320"/>
             <a:ext cx="418704" cy="369332"/>
           </a:xfrm>
           <a:prstGeom prst="rect">
@@ -5021,7 +4703,99 @@
           <a:p>
             <a:r>
               <a:rPr lang="en-US" dirty="0"/>
-              <a:t>18</a:t>
+              <a:t>15</a:t>
+            </a:r>
+          </a:p>
+        </p:txBody>
+      </p:sp>
+      <p:sp>
+        <p:nvSpPr>
+          <p:cNvPr id="42" name="Oval 41">
+            <a:extLst>
+              <a:ext uri="{FF2B5EF4-FFF2-40B4-BE49-F238E27FC236}">
+                <a16:creationId xmlns:a16="http://schemas.microsoft.com/office/drawing/2014/main" id="{775C5468-6323-564F-A2B0-C39B51EAEC71}"/>
+              </a:ext>
+            </a:extLst>
+          </p:cNvPr>
+          <p:cNvSpPr/>
+          <p:nvPr/>
+        </p:nvSpPr>
+        <p:spPr>
+          <a:xfrm>
+            <a:off x="1645443" y="1151590"/>
+            <a:ext cx="709390" cy="1414735"/>
+          </a:xfrm>
+          <a:prstGeom prst="ellipse">
+            <a:avLst/>
+          </a:prstGeom>
+          <a:noFill/>
+          <a:ln w="25400">
+            <a:solidFill>
+              <a:srgbClr val="FF0000"/>
+            </a:solidFill>
+          </a:ln>
+        </p:spPr>
+        <p:style>
+          <a:lnRef idx="2">
+            <a:schemeClr val="accent1">
+              <a:shade val="50000"/>
+            </a:schemeClr>
+          </a:lnRef>
+          <a:fillRef idx="1">
+            <a:schemeClr val="accent1"/>
+          </a:fillRef>
+          <a:effectRef idx="0">
+            <a:schemeClr val="accent1"/>
+          </a:effectRef>
+          <a:fontRef idx="minor">
+            <a:schemeClr val="lt1"/>
+          </a:fontRef>
+        </p:style>
+        <p:txBody>
+          <a:bodyPr rot="0" spcFirstLastPara="0" vertOverflow="overflow" horzOverflow="overflow" vert="horz" wrap="square" lIns="91440" tIns="45720" rIns="91440" bIns="45720" numCol="1" spcCol="0" rtlCol="0" fromWordArt="0" anchor="ctr" anchorCtr="0" forceAA="0" compatLnSpc="1">
+            <a:prstTxWarp prst="textNoShape">
+              <a:avLst/>
+            </a:prstTxWarp>
+            <a:noAutofit/>
+          </a:bodyPr>
+          <a:lstStyle/>
+          <a:p>
+            <a:pPr algn="ctr"/>
+            <a:endParaRPr lang="en-US"/>
+          </a:p>
+        </p:txBody>
+      </p:sp>
+      <p:sp>
+        <p:nvSpPr>
+          <p:cNvPr id="45" name="TextBox 44">
+            <a:extLst>
+              <a:ext uri="{FF2B5EF4-FFF2-40B4-BE49-F238E27FC236}">
+                <a16:creationId xmlns:a16="http://schemas.microsoft.com/office/drawing/2014/main" id="{133FC9D3-963E-BB46-8501-2456AD743484}"/>
+              </a:ext>
+            </a:extLst>
+          </p:cNvPr>
+          <p:cNvSpPr txBox="1"/>
+          <p:nvPr/>
+        </p:nvSpPr>
+        <p:spPr>
+          <a:xfrm>
+            <a:off x="1890725" y="1736609"/>
+            <a:ext cx="301686" cy="369332"/>
+          </a:xfrm>
+          <a:prstGeom prst="rect">
+            <a:avLst/>
+          </a:prstGeom>
+          <a:noFill/>
+        </p:spPr>
+        <p:txBody>
+          <a:bodyPr wrap="none" rtlCol="0">
+            <a:spAutoFit/>
+          </a:bodyPr>
+          <a:lstStyle/>
+          <a:p>
+            <a:r>
+              <a:rPr lang="en-US" dirty="0"/>
+              <a:t>5</a:t>
             </a:r>
           </a:p>
         </p:txBody>
@@ -5029,7 +4803,7 @@
     </p:spTree>
     <p:extLst>
       <p:ext uri="{BB962C8B-B14F-4D97-AF65-F5344CB8AC3E}">
-        <p14:creationId xmlns:p14="http://schemas.microsoft.com/office/powerpoint/2010/main" val="372287276"/>
+        <p14:creationId xmlns:p14="http://schemas.microsoft.com/office/powerpoint/2010/main" val="3711458657"/>
       </p:ext>
     </p:extLst>
   </p:cSld>
@@ -5058,10 +4832,10 @@
       </p:grpSpPr>
       <p:pic>
         <p:nvPicPr>
-          <p:cNvPr id="3" name="Picture 2">
+          <p:cNvPr id="42" name="Picture 41">
             <a:extLst>
               <a:ext uri="{FF2B5EF4-FFF2-40B4-BE49-F238E27FC236}">
-                <a16:creationId xmlns:a16="http://schemas.microsoft.com/office/drawing/2014/main" id="{0F491D5F-2EE5-8949-AA02-6B608E0DE3E3}"/>
+                <a16:creationId xmlns:a16="http://schemas.microsoft.com/office/drawing/2014/main" id="{14566750-CE8E-1544-8ABF-D7332A37291E}"/>
               </a:ext>
             </a:extLst>
           </p:cNvPr>
@@ -5077,8 +4851,8 @@
         </p:blipFill>
         <p:spPr>
           <a:xfrm>
-            <a:off x="55031" y="121122"/>
-            <a:ext cx="12118846" cy="6816850"/>
+            <a:off x="28101" y="-10349"/>
+            <a:ext cx="12155421" cy="6878697"/>
           </a:xfrm>
           <a:prstGeom prst="rect">
             <a:avLst/>
@@ -5093,8 +4867,8 @@
         </p:nvSpPr>
         <p:spPr>
           <a:xfrm>
-            <a:off x="2638164" y="573297"/>
-            <a:ext cx="8945911" cy="804444"/>
+            <a:off x="2628890" y="453875"/>
+            <a:ext cx="8945911" cy="489098"/>
           </a:xfrm>
           <a:prstGeom prst="ellipse">
             <a:avLst/>
@@ -5139,7 +4913,7 @@
         </p:nvSpPr>
         <p:spPr>
           <a:xfrm>
-            <a:off x="2530566" y="1717880"/>
+            <a:off x="2504580" y="1176145"/>
             <a:ext cx="8945911" cy="485775"/>
           </a:xfrm>
           <a:prstGeom prst="ellipse">
@@ -5190,7 +4964,7 @@
         </p:nvSpPr>
         <p:spPr>
           <a:xfrm>
-            <a:off x="2264991" y="5766871"/>
+            <a:off x="2270806" y="5450589"/>
             <a:ext cx="2733675" cy="485775"/>
           </a:xfrm>
           <a:prstGeom prst="ellipse">
@@ -5241,8 +5015,8 @@
         </p:nvSpPr>
         <p:spPr>
           <a:xfrm>
-            <a:off x="4271995" y="59046"/>
-            <a:ext cx="3344419" cy="485775"/>
+            <a:off x="5105856" y="59046"/>
+            <a:ext cx="2185987" cy="485775"/>
           </a:xfrm>
           <a:prstGeom prst="ellipse">
             <a:avLst/>
@@ -5292,8 +5066,8 @@
         </p:nvSpPr>
         <p:spPr>
           <a:xfrm>
-            <a:off x="1594055" y="304709"/>
-            <a:ext cx="709390" cy="604432"/>
+            <a:off x="1710337" y="33690"/>
+            <a:ext cx="709390" cy="1553824"/>
           </a:xfrm>
           <a:prstGeom prst="ellipse">
             <a:avLst/>
@@ -5343,8 +5117,8 @@
         </p:nvSpPr>
         <p:spPr>
           <a:xfrm>
-            <a:off x="2251163" y="6427848"/>
-            <a:ext cx="6868123" cy="406199"/>
+            <a:off x="3354501" y="6212373"/>
+            <a:ext cx="7874683" cy="406199"/>
           </a:xfrm>
           <a:prstGeom prst="ellipse">
             <a:avLst/>
@@ -5394,8 +5168,8 @@
         </p:nvSpPr>
         <p:spPr>
           <a:xfrm>
-            <a:off x="-20680" y="4654749"/>
-            <a:ext cx="1601703" cy="862578"/>
+            <a:off x="225116" y="4266015"/>
+            <a:ext cx="709390" cy="469382"/>
           </a:xfrm>
           <a:prstGeom prst="ellipse">
             <a:avLst/>
@@ -5439,14 +5213,14 @@
       </p:sp>
       <p:sp>
         <p:nvSpPr>
-          <p:cNvPr id="13" name="Oval 12"/>
+          <p:cNvPr id="12" name="Oval 11"/>
           <p:cNvSpPr/>
           <p:nvPr/>
         </p:nvSpPr>
         <p:spPr>
           <a:xfrm>
-            <a:off x="18147" y="6133887"/>
-            <a:ext cx="1658502" cy="414050"/>
+            <a:off x="899129" y="4317132"/>
+            <a:ext cx="855866" cy="495436"/>
           </a:xfrm>
           <a:prstGeom prst="ellipse">
             <a:avLst/>
@@ -5490,14 +5264,14 @@
       </p:sp>
       <p:sp>
         <p:nvSpPr>
-          <p:cNvPr id="14" name="Oval 13"/>
+          <p:cNvPr id="13" name="Oval 12"/>
           <p:cNvSpPr/>
           <p:nvPr/>
         </p:nvSpPr>
         <p:spPr>
           <a:xfrm>
-            <a:off x="-22676" y="5505887"/>
-            <a:ext cx="1699765" cy="626570"/>
+            <a:off x="-2883" y="5787577"/>
+            <a:ext cx="2148775" cy="414050"/>
           </a:xfrm>
           <a:prstGeom prst="ellipse">
             <a:avLst/>
@@ -5541,14 +5315,14 @@
       </p:sp>
       <p:sp>
         <p:nvSpPr>
-          <p:cNvPr id="15" name="Oval 14"/>
+          <p:cNvPr id="14" name="Oval 13"/>
           <p:cNvSpPr/>
           <p:nvPr/>
         </p:nvSpPr>
         <p:spPr>
           <a:xfrm>
-            <a:off x="55031" y="886415"/>
-            <a:ext cx="1334304" cy="3327965"/>
+            <a:off x="188644" y="5267523"/>
+            <a:ext cx="1366717" cy="634922"/>
           </a:xfrm>
           <a:prstGeom prst="ellipse">
             <a:avLst/>
@@ -5592,279 +5366,14 @@
       </p:sp>
       <p:sp>
         <p:nvSpPr>
-          <p:cNvPr id="16" name="TextBox 15"/>
-          <p:cNvSpPr txBox="1"/>
-          <p:nvPr/>
-        </p:nvSpPr>
-        <p:spPr>
-          <a:xfrm>
-            <a:off x="4344675" y="94648"/>
-            <a:ext cx="196702" cy="369332"/>
-          </a:xfrm>
-          <a:prstGeom prst="rect">
-            <a:avLst/>
-          </a:prstGeom>
-          <a:noFill/>
-        </p:spPr>
-        <p:txBody>
-          <a:bodyPr wrap="square" rtlCol="0">
-            <a:spAutoFit/>
-          </a:bodyPr>
-          <a:lstStyle/>
-          <a:p>
-            <a:r>
-              <a:rPr lang="en-US" dirty="0"/>
-              <a:t>1</a:t>
-            </a:r>
-          </a:p>
-        </p:txBody>
-      </p:sp>
-      <p:sp>
-        <p:nvSpPr>
-          <p:cNvPr id="17" name="TextBox 16"/>
-          <p:cNvSpPr txBox="1"/>
-          <p:nvPr/>
-        </p:nvSpPr>
-        <p:spPr>
-          <a:xfrm>
-            <a:off x="1075362" y="4834231"/>
-            <a:ext cx="482672" cy="369332"/>
-          </a:xfrm>
-          <a:prstGeom prst="rect">
-            <a:avLst/>
-          </a:prstGeom>
-          <a:noFill/>
-        </p:spPr>
-        <p:txBody>
-          <a:bodyPr wrap="square" rtlCol="0">
-            <a:spAutoFit/>
-          </a:bodyPr>
-          <a:lstStyle/>
-          <a:p>
-            <a:r>
-              <a:rPr lang="en-US" dirty="0"/>
-              <a:t>12</a:t>
-            </a:r>
-          </a:p>
-        </p:txBody>
-      </p:sp>
-      <p:sp>
-        <p:nvSpPr>
-          <p:cNvPr id="20" name="TextBox 19"/>
-          <p:cNvSpPr txBox="1"/>
-          <p:nvPr/>
-        </p:nvSpPr>
-        <p:spPr>
-          <a:xfrm>
-            <a:off x="3970309" y="5883314"/>
-            <a:ext cx="301686" cy="369332"/>
-          </a:xfrm>
-          <a:prstGeom prst="rect">
-            <a:avLst/>
-          </a:prstGeom>
-          <a:noFill/>
-        </p:spPr>
-        <p:txBody>
-          <a:bodyPr wrap="none" rtlCol="0">
-            <a:spAutoFit/>
-          </a:bodyPr>
-          <a:lstStyle/>
-          <a:p>
-            <a:r>
-              <a:rPr lang="en-US" dirty="0"/>
-              <a:t>7</a:t>
-            </a:r>
-          </a:p>
-        </p:txBody>
-      </p:sp>
-      <p:sp>
-        <p:nvSpPr>
-          <p:cNvPr id="21" name="TextBox 20"/>
-          <p:cNvSpPr txBox="1"/>
-          <p:nvPr/>
-        </p:nvSpPr>
-        <p:spPr>
-          <a:xfrm>
-            <a:off x="1119384" y="5634506"/>
-            <a:ext cx="418704" cy="369332"/>
-          </a:xfrm>
-          <a:prstGeom prst="rect">
-            <a:avLst/>
-          </a:prstGeom>
-          <a:noFill/>
-        </p:spPr>
-        <p:txBody>
-          <a:bodyPr wrap="none" rtlCol="0">
-            <a:spAutoFit/>
-          </a:bodyPr>
-          <a:lstStyle/>
-          <a:p>
-            <a:r>
-              <a:rPr lang="en-US" dirty="0"/>
-              <a:t>13</a:t>
-            </a:r>
-          </a:p>
-        </p:txBody>
-      </p:sp>
-      <p:sp>
-        <p:nvSpPr>
-          <p:cNvPr id="22" name="TextBox 21"/>
-          <p:cNvSpPr txBox="1"/>
-          <p:nvPr/>
-        </p:nvSpPr>
-        <p:spPr>
-          <a:xfrm>
-            <a:off x="5360899" y="6446281"/>
-            <a:ext cx="301686" cy="369332"/>
-          </a:xfrm>
-          <a:prstGeom prst="rect">
-            <a:avLst/>
-          </a:prstGeom>
-          <a:noFill/>
-        </p:spPr>
-        <p:txBody>
-          <a:bodyPr wrap="none" rtlCol="0">
-            <a:spAutoFit/>
-          </a:bodyPr>
-          <a:lstStyle/>
-          <a:p>
-            <a:r>
-              <a:rPr lang="en-US" dirty="0"/>
-              <a:t>8</a:t>
-            </a:r>
-          </a:p>
-        </p:txBody>
-      </p:sp>
-      <p:sp>
-        <p:nvSpPr>
-          <p:cNvPr id="23" name="TextBox 22"/>
-          <p:cNvSpPr txBox="1"/>
-          <p:nvPr/>
-        </p:nvSpPr>
-        <p:spPr>
-          <a:xfrm>
-            <a:off x="2850525" y="1781756"/>
-            <a:ext cx="301686" cy="369332"/>
-          </a:xfrm>
-          <a:prstGeom prst="rect">
-            <a:avLst/>
-          </a:prstGeom>
-          <a:noFill/>
-        </p:spPr>
-        <p:txBody>
-          <a:bodyPr wrap="none" rtlCol="0">
-            <a:spAutoFit/>
-          </a:bodyPr>
-          <a:lstStyle/>
-          <a:p>
-            <a:r>
-              <a:rPr lang="en-US" dirty="0"/>
-              <a:t>3</a:t>
-            </a:r>
-          </a:p>
-        </p:txBody>
-      </p:sp>
-      <p:sp>
-        <p:nvSpPr>
-          <p:cNvPr id="24" name="TextBox 23"/>
-          <p:cNvSpPr txBox="1"/>
-          <p:nvPr/>
-        </p:nvSpPr>
-        <p:spPr>
-          <a:xfrm>
-            <a:off x="1784923" y="536949"/>
-            <a:ext cx="301686" cy="369332"/>
-          </a:xfrm>
-          <a:prstGeom prst="rect">
-            <a:avLst/>
-          </a:prstGeom>
-          <a:noFill/>
-        </p:spPr>
-        <p:txBody>
-          <a:bodyPr wrap="none" rtlCol="0">
-            <a:spAutoFit/>
-          </a:bodyPr>
-          <a:lstStyle/>
-          <a:p>
-            <a:r>
-              <a:rPr lang="en-US" dirty="0"/>
-              <a:t>4</a:t>
-            </a:r>
-          </a:p>
-        </p:txBody>
-      </p:sp>
-      <p:sp>
-        <p:nvSpPr>
-          <p:cNvPr id="25" name="TextBox 24"/>
-          <p:cNvSpPr txBox="1"/>
-          <p:nvPr/>
-        </p:nvSpPr>
-        <p:spPr>
-          <a:xfrm>
-            <a:off x="953518" y="1676102"/>
-            <a:ext cx="726360" cy="369332"/>
-          </a:xfrm>
-          <a:prstGeom prst="rect">
-            <a:avLst/>
-          </a:prstGeom>
-          <a:noFill/>
-        </p:spPr>
-        <p:txBody>
-          <a:bodyPr wrap="square" rtlCol="0">
-            <a:spAutoFit/>
-          </a:bodyPr>
-          <a:lstStyle/>
-          <a:p>
-            <a:r>
-              <a:rPr lang="en-US" dirty="0"/>
-              <a:t>11</a:t>
-            </a:r>
-          </a:p>
-        </p:txBody>
-      </p:sp>
-      <p:sp>
-        <p:nvSpPr>
-          <p:cNvPr id="26" name="TextBox 25"/>
-          <p:cNvSpPr txBox="1"/>
-          <p:nvPr/>
-        </p:nvSpPr>
-        <p:spPr>
-          <a:xfrm>
-            <a:off x="2825856" y="780513"/>
-            <a:ext cx="404187" cy="369332"/>
-          </a:xfrm>
-          <a:prstGeom prst="rect">
-            <a:avLst/>
-          </a:prstGeom>
-          <a:noFill/>
-        </p:spPr>
-        <p:txBody>
-          <a:bodyPr wrap="square" rtlCol="0">
-            <a:spAutoFit/>
-          </a:bodyPr>
-          <a:lstStyle/>
-          <a:p>
-            <a:r>
-              <a:rPr lang="en-US" dirty="0">
-                <a:solidFill>
-                  <a:schemeClr val="bg1"/>
-                </a:solidFill>
-              </a:rPr>
-              <a:t>2</a:t>
-            </a:r>
-          </a:p>
-        </p:txBody>
-      </p:sp>
-      <p:sp>
-        <p:nvSpPr>
-          <p:cNvPr id="28" name="Oval 27"/>
+          <p:cNvPr id="15" name="Oval 14"/>
           <p:cNvSpPr/>
           <p:nvPr/>
         </p:nvSpPr>
         <p:spPr>
           <a:xfrm>
-            <a:off x="2463983" y="2883933"/>
-            <a:ext cx="9294274" cy="2777206"/>
+            <a:off x="227153" y="886415"/>
+            <a:ext cx="1334304" cy="3327965"/>
           </a:xfrm>
           <a:prstGeom prst="ellipse">
             <a:avLst/>
@@ -5908,14 +5417,14 @@
       </p:sp>
       <p:sp>
         <p:nvSpPr>
-          <p:cNvPr id="30" name="TextBox 29"/>
+          <p:cNvPr id="16" name="TextBox 15"/>
           <p:cNvSpPr txBox="1"/>
           <p:nvPr/>
         </p:nvSpPr>
         <p:spPr>
           <a:xfrm>
-            <a:off x="2530566" y="4084652"/>
-            <a:ext cx="404250" cy="369332"/>
+            <a:off x="5105856" y="96259"/>
+            <a:ext cx="196702" cy="369332"/>
           </a:xfrm>
           <a:prstGeom prst="rect">
             <a:avLst/>
@@ -5929,26 +5438,312 @@
           <a:lstStyle/>
           <a:p>
             <a:r>
-              <a:rPr lang="en-US" dirty="0">
-                <a:solidFill>
-                  <a:schemeClr val="bg1"/>
-                </a:solidFill>
-              </a:rPr>
-              <a:t>6</a:t>
-            </a:r>
-          </a:p>
-        </p:txBody>
-      </p:sp>
-      <p:sp>
-        <p:nvSpPr>
-          <p:cNvPr id="31" name="Oval 30"/>
+              <a:rPr lang="en-US" dirty="0"/>
+              <a:t>1</a:t>
+            </a:r>
+          </a:p>
+        </p:txBody>
+      </p:sp>
+      <p:sp>
+        <p:nvSpPr>
+          <p:cNvPr id="17" name="TextBox 16"/>
+          <p:cNvSpPr txBox="1"/>
+          <p:nvPr/>
+        </p:nvSpPr>
+        <p:spPr>
+          <a:xfrm>
+            <a:off x="404092" y="4213256"/>
+            <a:ext cx="482672" cy="369332"/>
+          </a:xfrm>
+          <a:prstGeom prst="rect">
+            <a:avLst/>
+          </a:prstGeom>
+          <a:noFill/>
+        </p:spPr>
+        <p:txBody>
+          <a:bodyPr wrap="square" rtlCol="0">
+            <a:spAutoFit/>
+          </a:bodyPr>
+          <a:lstStyle/>
+          <a:p>
+            <a:r>
+              <a:rPr lang="en-US" dirty="0"/>
+              <a:t>13</a:t>
+            </a:r>
+          </a:p>
+        </p:txBody>
+      </p:sp>
+      <p:sp>
+        <p:nvSpPr>
+          <p:cNvPr id="18" name="TextBox 17"/>
+          <p:cNvSpPr txBox="1"/>
+          <p:nvPr/>
+        </p:nvSpPr>
+        <p:spPr>
+          <a:xfrm>
+            <a:off x="1100248" y="4225538"/>
+            <a:ext cx="418704" cy="369332"/>
+          </a:xfrm>
+          <a:prstGeom prst="rect">
+            <a:avLst/>
+          </a:prstGeom>
+          <a:noFill/>
+        </p:spPr>
+        <p:txBody>
+          <a:bodyPr wrap="none" rtlCol="0">
+            <a:spAutoFit/>
+          </a:bodyPr>
+          <a:lstStyle/>
+          <a:p>
+            <a:r>
+              <a:rPr lang="en-US" dirty="0"/>
+              <a:t>14</a:t>
+            </a:r>
+          </a:p>
+        </p:txBody>
+      </p:sp>
+      <p:sp>
+        <p:nvSpPr>
+          <p:cNvPr id="19" name="TextBox 18"/>
+          <p:cNvSpPr txBox="1"/>
+          <p:nvPr/>
+        </p:nvSpPr>
+        <p:spPr>
+          <a:xfrm>
+            <a:off x="8478" y="4630763"/>
+            <a:ext cx="418704" cy="369332"/>
+          </a:xfrm>
+          <a:prstGeom prst="rect">
+            <a:avLst/>
+          </a:prstGeom>
+          <a:noFill/>
+        </p:spPr>
+        <p:txBody>
+          <a:bodyPr wrap="none" rtlCol="0">
+            <a:spAutoFit/>
+          </a:bodyPr>
+          <a:lstStyle/>
+          <a:p>
+            <a:r>
+              <a:rPr lang="en-US" dirty="0"/>
+              <a:t>15</a:t>
+            </a:r>
+          </a:p>
+        </p:txBody>
+      </p:sp>
+      <p:sp>
+        <p:nvSpPr>
+          <p:cNvPr id="20" name="TextBox 19"/>
+          <p:cNvSpPr txBox="1"/>
+          <p:nvPr/>
+        </p:nvSpPr>
+        <p:spPr>
+          <a:xfrm>
+            <a:off x="3503494" y="5635233"/>
+            <a:ext cx="301686" cy="369332"/>
+          </a:xfrm>
+          <a:prstGeom prst="rect">
+            <a:avLst/>
+          </a:prstGeom>
+          <a:noFill/>
+        </p:spPr>
+        <p:txBody>
+          <a:bodyPr wrap="none" rtlCol="0">
+            <a:spAutoFit/>
+          </a:bodyPr>
+          <a:lstStyle/>
+          <a:p>
+            <a:r>
+              <a:rPr lang="en-US" dirty="0"/>
+              <a:t>8</a:t>
+            </a:r>
+          </a:p>
+        </p:txBody>
+      </p:sp>
+      <p:sp>
+        <p:nvSpPr>
+          <p:cNvPr id="21" name="TextBox 20"/>
+          <p:cNvSpPr txBox="1"/>
+          <p:nvPr/>
+        </p:nvSpPr>
+        <p:spPr>
+          <a:xfrm>
+            <a:off x="1112834" y="5420305"/>
+            <a:ext cx="418704" cy="369332"/>
+          </a:xfrm>
+          <a:prstGeom prst="rect">
+            <a:avLst/>
+          </a:prstGeom>
+          <a:noFill/>
+        </p:spPr>
+        <p:txBody>
+          <a:bodyPr wrap="none" rtlCol="0">
+            <a:spAutoFit/>
+          </a:bodyPr>
+          <a:lstStyle/>
+          <a:p>
+            <a:r>
+              <a:rPr lang="en-US" dirty="0"/>
+              <a:t>17</a:t>
+            </a:r>
+          </a:p>
+        </p:txBody>
+      </p:sp>
+      <p:sp>
+        <p:nvSpPr>
+          <p:cNvPr id="22" name="TextBox 21"/>
+          <p:cNvSpPr txBox="1"/>
+          <p:nvPr/>
+        </p:nvSpPr>
+        <p:spPr>
+          <a:xfrm>
+            <a:off x="3970309" y="6197915"/>
+            <a:ext cx="301686" cy="369332"/>
+          </a:xfrm>
+          <a:prstGeom prst="rect">
+            <a:avLst/>
+          </a:prstGeom>
+          <a:noFill/>
+        </p:spPr>
+        <p:txBody>
+          <a:bodyPr wrap="none" rtlCol="0">
+            <a:spAutoFit/>
+          </a:bodyPr>
+          <a:lstStyle/>
+          <a:p>
+            <a:r>
+              <a:rPr lang="en-US" dirty="0"/>
+              <a:t>9</a:t>
+            </a:r>
+          </a:p>
+        </p:txBody>
+      </p:sp>
+      <p:sp>
+        <p:nvSpPr>
+          <p:cNvPr id="23" name="TextBox 22"/>
+          <p:cNvSpPr txBox="1"/>
+          <p:nvPr/>
+        </p:nvSpPr>
+        <p:spPr>
+          <a:xfrm>
+            <a:off x="2884045" y="1223572"/>
+            <a:ext cx="301686" cy="369332"/>
+          </a:xfrm>
+          <a:prstGeom prst="rect">
+            <a:avLst/>
+          </a:prstGeom>
+          <a:noFill/>
+        </p:spPr>
+        <p:txBody>
+          <a:bodyPr wrap="none" rtlCol="0">
+            <a:spAutoFit/>
+          </a:bodyPr>
+          <a:lstStyle/>
+          <a:p>
+            <a:r>
+              <a:rPr lang="en-US" dirty="0"/>
+              <a:t>3</a:t>
+            </a:r>
+          </a:p>
+        </p:txBody>
+      </p:sp>
+      <p:sp>
+        <p:nvSpPr>
+          <p:cNvPr id="24" name="TextBox 23"/>
+          <p:cNvSpPr txBox="1"/>
+          <p:nvPr/>
+        </p:nvSpPr>
+        <p:spPr>
+          <a:xfrm>
+            <a:off x="1963483" y="681970"/>
+            <a:ext cx="301686" cy="369332"/>
+          </a:xfrm>
+          <a:prstGeom prst="rect">
+            <a:avLst/>
+          </a:prstGeom>
+          <a:noFill/>
+        </p:spPr>
+        <p:txBody>
+          <a:bodyPr wrap="none" rtlCol="0">
+            <a:spAutoFit/>
+          </a:bodyPr>
+          <a:lstStyle/>
+          <a:p>
+            <a:r>
+              <a:rPr lang="en-US" dirty="0"/>
+              <a:t>4</a:t>
+            </a:r>
+          </a:p>
+        </p:txBody>
+      </p:sp>
+      <p:sp>
+        <p:nvSpPr>
+          <p:cNvPr id="25" name="TextBox 24"/>
+          <p:cNvSpPr txBox="1"/>
+          <p:nvPr/>
+        </p:nvSpPr>
+        <p:spPr>
+          <a:xfrm>
+            <a:off x="1125640" y="1676102"/>
+            <a:ext cx="726360" cy="369332"/>
+          </a:xfrm>
+          <a:prstGeom prst="rect">
+            <a:avLst/>
+          </a:prstGeom>
+          <a:noFill/>
+        </p:spPr>
+        <p:txBody>
+          <a:bodyPr wrap="square" rtlCol="0">
+            <a:spAutoFit/>
+          </a:bodyPr>
+          <a:lstStyle/>
+          <a:p>
+            <a:r>
+              <a:rPr lang="en-US" dirty="0"/>
+              <a:t>12</a:t>
+            </a:r>
+          </a:p>
+        </p:txBody>
+      </p:sp>
+      <p:sp>
+        <p:nvSpPr>
+          <p:cNvPr id="26" name="TextBox 25"/>
+          <p:cNvSpPr txBox="1"/>
+          <p:nvPr/>
+        </p:nvSpPr>
+        <p:spPr>
+          <a:xfrm>
+            <a:off x="2843769" y="497304"/>
+            <a:ext cx="404187" cy="369332"/>
+          </a:xfrm>
+          <a:prstGeom prst="rect">
+            <a:avLst/>
+          </a:prstGeom>
+          <a:noFill/>
+        </p:spPr>
+        <p:txBody>
+          <a:bodyPr wrap="square" rtlCol="0">
+            <a:spAutoFit/>
+          </a:bodyPr>
+          <a:lstStyle/>
+          <a:p>
+            <a:r>
+              <a:rPr lang="en-US" dirty="0"/>
+              <a:t>2</a:t>
+            </a:r>
+          </a:p>
+        </p:txBody>
+      </p:sp>
+      <p:sp>
+        <p:nvSpPr>
+          <p:cNvPr id="27" name="Oval 26"/>
           <p:cNvSpPr/>
           <p:nvPr/>
         </p:nvSpPr>
         <p:spPr>
           <a:xfrm>
-            <a:off x="55031" y="6468614"/>
-            <a:ext cx="1650116" cy="276281"/>
+            <a:off x="2270806" y="1814557"/>
+            <a:ext cx="9508818" cy="1228774"/>
           </a:xfrm>
           <a:prstGeom prst="ellipse">
             <a:avLst/>
@@ -5992,43 +5787,14 @@
       </p:sp>
       <p:sp>
         <p:nvSpPr>
-          <p:cNvPr id="33" name="TextBox 32"/>
-          <p:cNvSpPr txBox="1"/>
-          <p:nvPr/>
-        </p:nvSpPr>
-        <p:spPr>
-          <a:xfrm>
-            <a:off x="1256804" y="6136747"/>
-            <a:ext cx="418704" cy="369332"/>
-          </a:xfrm>
-          <a:prstGeom prst="rect">
-            <a:avLst/>
-          </a:prstGeom>
-          <a:noFill/>
-        </p:spPr>
-        <p:txBody>
-          <a:bodyPr wrap="none" rtlCol="0">
-            <a:spAutoFit/>
-          </a:bodyPr>
-          <a:lstStyle/>
-          <a:p>
-            <a:r>
-              <a:rPr lang="en-US" dirty="0"/>
-              <a:t>14</a:t>
-            </a:r>
-          </a:p>
-        </p:txBody>
-      </p:sp>
-      <p:sp>
-        <p:nvSpPr>
-          <p:cNvPr id="34" name="Oval 33"/>
+          <p:cNvPr id="28" name="Oval 27"/>
           <p:cNvSpPr/>
           <p:nvPr/>
         </p:nvSpPr>
         <p:spPr>
           <a:xfrm>
-            <a:off x="-144513" y="6665116"/>
-            <a:ext cx="932476" cy="312852"/>
+            <a:off x="2485350" y="3560781"/>
+            <a:ext cx="9294274" cy="1836057"/>
           </a:xfrm>
           <a:prstGeom prst="ellipse">
             <a:avLst/>
@@ -6072,14 +5838,14 @@
       </p:sp>
       <p:sp>
         <p:nvSpPr>
-          <p:cNvPr id="35" name="TextBox 34"/>
+          <p:cNvPr id="29" name="TextBox 28"/>
           <p:cNvSpPr txBox="1"/>
           <p:nvPr/>
         </p:nvSpPr>
         <p:spPr>
           <a:xfrm>
-            <a:off x="321725" y="6641443"/>
-            <a:ext cx="418704" cy="369332"/>
+            <a:off x="2334507" y="2257211"/>
+            <a:ext cx="301686" cy="369332"/>
           </a:xfrm>
           <a:prstGeom prst="rect">
             <a:avLst/>
@@ -6094,21 +5860,50 @@
           <a:p>
             <a:r>
               <a:rPr lang="en-US" dirty="0"/>
-              <a:t>16</a:t>
-            </a:r>
-          </a:p>
-        </p:txBody>
-      </p:sp>
-      <p:sp>
-        <p:nvSpPr>
-          <p:cNvPr id="38" name="Oval 37"/>
+              <a:t>6</a:t>
+            </a:r>
+          </a:p>
+        </p:txBody>
+      </p:sp>
+      <p:sp>
+        <p:nvSpPr>
+          <p:cNvPr id="30" name="TextBox 29"/>
+          <p:cNvSpPr txBox="1"/>
+          <p:nvPr/>
+        </p:nvSpPr>
+        <p:spPr>
+          <a:xfrm>
+            <a:off x="5809107" y="3445260"/>
+            <a:ext cx="404250" cy="369332"/>
+          </a:xfrm>
+          <a:prstGeom prst="rect">
+            <a:avLst/>
+          </a:prstGeom>
+          <a:noFill/>
+        </p:spPr>
+        <p:txBody>
+          <a:bodyPr wrap="square" rtlCol="0">
+            <a:spAutoFit/>
+          </a:bodyPr>
+          <a:lstStyle/>
+          <a:p>
+            <a:r>
+              <a:rPr lang="en-US" dirty="0"/>
+              <a:t>7</a:t>
+            </a:r>
+          </a:p>
+        </p:txBody>
+      </p:sp>
+      <p:sp>
+        <p:nvSpPr>
+          <p:cNvPr id="31" name="Oval 30"/>
           <p:cNvSpPr/>
           <p:nvPr/>
         </p:nvSpPr>
         <p:spPr>
           <a:xfrm>
-            <a:off x="1125183" y="432085"/>
-            <a:ext cx="449829" cy="526680"/>
+            <a:off x="-79640" y="6150795"/>
+            <a:ext cx="2250414" cy="357739"/>
           </a:xfrm>
           <a:prstGeom prst="ellipse">
             <a:avLst/>
@@ -6152,13 +5947,13 @@
       </p:sp>
       <p:sp>
         <p:nvSpPr>
-          <p:cNvPr id="39" name="TextBox 38"/>
+          <p:cNvPr id="33" name="TextBox 32"/>
           <p:cNvSpPr txBox="1"/>
           <p:nvPr/>
         </p:nvSpPr>
         <p:spPr>
           <a:xfrm>
-            <a:off x="1139351" y="612255"/>
+            <a:off x="1369293" y="5715264"/>
             <a:ext cx="418704" cy="369332"/>
           </a:xfrm>
           <a:prstGeom prst="rect">
@@ -6174,21 +5969,21 @@
           <a:p>
             <a:r>
               <a:rPr lang="en-US" dirty="0"/>
-              <a:t>10</a:t>
-            </a:r>
-          </a:p>
-        </p:txBody>
-      </p:sp>
-      <p:sp>
-        <p:nvSpPr>
-          <p:cNvPr id="40" name="Oval 39"/>
+              <a:t>18</a:t>
+            </a:r>
+          </a:p>
+        </p:txBody>
+      </p:sp>
+      <p:sp>
+        <p:nvSpPr>
+          <p:cNvPr id="34" name="Oval 33"/>
           <p:cNvSpPr/>
           <p:nvPr/>
         </p:nvSpPr>
         <p:spPr>
           <a:xfrm>
-            <a:off x="9343377" y="6606476"/>
-            <a:ext cx="2881970" cy="406199"/>
+            <a:off x="-33347" y="6418223"/>
+            <a:ext cx="932476" cy="312852"/>
           </a:xfrm>
           <a:prstGeom prst="ellipse">
             <a:avLst/>
@@ -6232,13 +6027,253 @@
       </p:sp>
       <p:sp>
         <p:nvSpPr>
+          <p:cNvPr id="35" name="TextBox 34"/>
+          <p:cNvSpPr txBox="1"/>
+          <p:nvPr/>
+        </p:nvSpPr>
+        <p:spPr>
+          <a:xfrm>
+            <a:off x="515802" y="6418223"/>
+            <a:ext cx="418704" cy="369332"/>
+          </a:xfrm>
+          <a:prstGeom prst="rect">
+            <a:avLst/>
+          </a:prstGeom>
+          <a:noFill/>
+        </p:spPr>
+        <p:txBody>
+          <a:bodyPr wrap="none" rtlCol="0">
+            <a:spAutoFit/>
+          </a:bodyPr>
+          <a:lstStyle/>
+          <a:p>
+            <a:r>
+              <a:rPr lang="en-US" dirty="0"/>
+              <a:t>20</a:t>
+            </a:r>
+          </a:p>
+        </p:txBody>
+      </p:sp>
+      <p:sp>
+        <p:nvSpPr>
+          <p:cNvPr id="36" name="Oval 35"/>
+          <p:cNvSpPr/>
+          <p:nvPr/>
+        </p:nvSpPr>
+        <p:spPr>
+          <a:xfrm>
+            <a:off x="1710337" y="1873692"/>
+            <a:ext cx="709390" cy="485775"/>
+          </a:xfrm>
+          <a:prstGeom prst="ellipse">
+            <a:avLst/>
+          </a:prstGeom>
+          <a:noFill/>
+          <a:ln w="25400">
+            <a:solidFill>
+              <a:srgbClr val="FF0000"/>
+            </a:solidFill>
+          </a:ln>
+        </p:spPr>
+        <p:style>
+          <a:lnRef idx="2">
+            <a:schemeClr val="accent1">
+              <a:shade val="50000"/>
+            </a:schemeClr>
+          </a:lnRef>
+          <a:fillRef idx="1">
+            <a:schemeClr val="accent1"/>
+          </a:fillRef>
+          <a:effectRef idx="0">
+            <a:schemeClr val="accent1"/>
+          </a:effectRef>
+          <a:fontRef idx="minor">
+            <a:schemeClr val="lt1"/>
+          </a:fontRef>
+        </p:style>
+        <p:txBody>
+          <a:bodyPr rot="0" spcFirstLastPara="0" vertOverflow="overflow" horzOverflow="overflow" vert="horz" wrap="square" lIns="91440" tIns="45720" rIns="91440" bIns="45720" numCol="1" spcCol="0" rtlCol="0" fromWordArt="0" anchor="ctr" anchorCtr="0" forceAA="0" compatLnSpc="1">
+            <a:prstTxWarp prst="textNoShape">
+              <a:avLst/>
+            </a:prstTxWarp>
+            <a:noAutofit/>
+          </a:bodyPr>
+          <a:lstStyle/>
+          <a:p>
+            <a:pPr algn="ctr"/>
+            <a:endParaRPr lang="en-US"/>
+          </a:p>
+        </p:txBody>
+      </p:sp>
+      <p:sp>
+        <p:nvSpPr>
+          <p:cNvPr id="37" name="TextBox 36"/>
+          <p:cNvSpPr txBox="1"/>
+          <p:nvPr/>
+        </p:nvSpPr>
+        <p:spPr>
+          <a:xfrm>
+            <a:off x="1926335" y="1785104"/>
+            <a:ext cx="301686" cy="369332"/>
+          </a:xfrm>
+          <a:prstGeom prst="rect">
+            <a:avLst/>
+          </a:prstGeom>
+          <a:noFill/>
+        </p:spPr>
+        <p:txBody>
+          <a:bodyPr wrap="none" rtlCol="0">
+            <a:spAutoFit/>
+          </a:bodyPr>
+          <a:lstStyle/>
+          <a:p>
+            <a:r>
+              <a:rPr lang="en-US" dirty="0"/>
+              <a:t>5</a:t>
+            </a:r>
+          </a:p>
+        </p:txBody>
+      </p:sp>
+      <p:sp>
+        <p:nvSpPr>
+          <p:cNvPr id="38" name="Oval 37"/>
+          <p:cNvSpPr/>
+          <p:nvPr/>
+        </p:nvSpPr>
+        <p:spPr>
+          <a:xfrm>
+            <a:off x="1275790" y="75845"/>
+            <a:ext cx="449829" cy="747617"/>
+          </a:xfrm>
+          <a:prstGeom prst="ellipse">
+            <a:avLst/>
+          </a:prstGeom>
+          <a:noFill/>
+          <a:ln w="25400">
+            <a:solidFill>
+              <a:srgbClr val="FF0000"/>
+            </a:solidFill>
+          </a:ln>
+        </p:spPr>
+        <p:style>
+          <a:lnRef idx="2">
+            <a:schemeClr val="accent1">
+              <a:shade val="50000"/>
+            </a:schemeClr>
+          </a:lnRef>
+          <a:fillRef idx="1">
+            <a:schemeClr val="accent1"/>
+          </a:fillRef>
+          <a:effectRef idx="0">
+            <a:schemeClr val="accent1"/>
+          </a:effectRef>
+          <a:fontRef idx="minor">
+            <a:schemeClr val="lt1"/>
+          </a:fontRef>
+        </p:style>
+        <p:txBody>
+          <a:bodyPr rot="0" spcFirstLastPara="0" vertOverflow="overflow" horzOverflow="overflow" vert="horz" wrap="square" lIns="91440" tIns="45720" rIns="91440" bIns="45720" numCol="1" spcCol="0" rtlCol="0" fromWordArt="0" anchor="ctr" anchorCtr="0" forceAA="0" compatLnSpc="1">
+            <a:prstTxWarp prst="textNoShape">
+              <a:avLst/>
+            </a:prstTxWarp>
+            <a:noAutofit/>
+          </a:bodyPr>
+          <a:lstStyle/>
+          <a:p>
+            <a:pPr algn="ctr"/>
+            <a:endParaRPr lang="en-US"/>
+          </a:p>
+        </p:txBody>
+      </p:sp>
+      <p:sp>
+        <p:nvSpPr>
+          <p:cNvPr id="39" name="TextBox 38"/>
+          <p:cNvSpPr txBox="1"/>
+          <p:nvPr/>
+        </p:nvSpPr>
+        <p:spPr>
+          <a:xfrm>
+            <a:off x="1265358" y="438059"/>
+            <a:ext cx="418704" cy="369332"/>
+          </a:xfrm>
+          <a:prstGeom prst="rect">
+            <a:avLst/>
+          </a:prstGeom>
+          <a:noFill/>
+        </p:spPr>
+        <p:txBody>
+          <a:bodyPr wrap="none" rtlCol="0">
+            <a:spAutoFit/>
+          </a:bodyPr>
+          <a:lstStyle/>
+          <a:p>
+            <a:r>
+              <a:rPr lang="en-US" dirty="0"/>
+              <a:t>11</a:t>
+            </a:r>
+          </a:p>
+        </p:txBody>
+      </p:sp>
+      <p:sp>
+        <p:nvSpPr>
+          <p:cNvPr id="40" name="Oval 39"/>
+          <p:cNvSpPr/>
+          <p:nvPr/>
+        </p:nvSpPr>
+        <p:spPr>
+          <a:xfrm>
+            <a:off x="9346055" y="6294400"/>
+            <a:ext cx="2881970" cy="406199"/>
+          </a:xfrm>
+          <a:prstGeom prst="ellipse">
+            <a:avLst/>
+          </a:prstGeom>
+          <a:noFill/>
+          <a:ln w="25400">
+            <a:solidFill>
+              <a:srgbClr val="FF0000"/>
+            </a:solidFill>
+          </a:ln>
+        </p:spPr>
+        <p:style>
+          <a:lnRef idx="2">
+            <a:schemeClr val="accent1">
+              <a:shade val="50000"/>
+            </a:schemeClr>
+          </a:lnRef>
+          <a:fillRef idx="1">
+            <a:schemeClr val="accent1"/>
+          </a:fillRef>
+          <a:effectRef idx="0">
+            <a:schemeClr val="accent1"/>
+          </a:effectRef>
+          <a:fontRef idx="minor">
+            <a:schemeClr val="lt1"/>
+          </a:fontRef>
+        </p:style>
+        <p:txBody>
+          <a:bodyPr rot="0" spcFirstLastPara="0" vertOverflow="overflow" horzOverflow="overflow" vert="horz" wrap="square" lIns="91440" tIns="45720" rIns="91440" bIns="45720" numCol="1" spcCol="0" rtlCol="0" fromWordArt="0" anchor="ctr" anchorCtr="0" forceAA="0" compatLnSpc="1">
+            <a:prstTxWarp prst="textNoShape">
+              <a:avLst/>
+            </a:prstTxWarp>
+            <a:noAutofit/>
+          </a:bodyPr>
+          <a:lstStyle/>
+          <a:p>
+            <a:pPr algn="ctr"/>
+            <a:endParaRPr lang="en-US"/>
+          </a:p>
+        </p:txBody>
+      </p:sp>
+      <p:sp>
+        <p:nvSpPr>
           <p:cNvPr id="41" name="TextBox 40"/>
           <p:cNvSpPr txBox="1"/>
           <p:nvPr/>
         </p:nvSpPr>
         <p:spPr>
           <a:xfrm>
-            <a:off x="9655689" y="6618440"/>
+            <a:off x="9555550" y="6312833"/>
             <a:ext cx="570296" cy="369332"/>
           </a:xfrm>
           <a:prstGeom prst="rect">
@@ -6254,8 +6289,65 @@
           <a:p>
             <a:r>
               <a:rPr lang="en-US" dirty="0"/>
-              <a:t>9</a:t>
-            </a:r>
+              <a:t>10</a:t>
+            </a:r>
+          </a:p>
+        </p:txBody>
+      </p:sp>
+      <p:sp>
+        <p:nvSpPr>
+          <p:cNvPr id="43" name="Oval 42">
+            <a:extLst>
+              <a:ext uri="{FF2B5EF4-FFF2-40B4-BE49-F238E27FC236}">
+                <a16:creationId xmlns:a16="http://schemas.microsoft.com/office/drawing/2014/main" id="{BB78B7CD-9D8F-0149-9ACA-985A9333370C}"/>
+              </a:ext>
+            </a:extLst>
+          </p:cNvPr>
+          <p:cNvSpPr/>
+          <p:nvPr/>
+        </p:nvSpPr>
+        <p:spPr>
+          <a:xfrm>
+            <a:off x="194740" y="4592300"/>
+            <a:ext cx="709390" cy="469382"/>
+          </a:xfrm>
+          <a:prstGeom prst="ellipse">
+            <a:avLst/>
+          </a:prstGeom>
+          <a:noFill/>
+          <a:ln w="25400">
+            <a:solidFill>
+              <a:srgbClr val="FF0000"/>
+            </a:solidFill>
+          </a:ln>
+        </p:spPr>
+        <p:style>
+          <a:lnRef idx="2">
+            <a:schemeClr val="accent1">
+              <a:shade val="50000"/>
+            </a:schemeClr>
+          </a:lnRef>
+          <a:fillRef idx="1">
+            <a:schemeClr val="accent1"/>
+          </a:fillRef>
+          <a:effectRef idx="0">
+            <a:schemeClr val="accent1"/>
+          </a:effectRef>
+          <a:fontRef idx="minor">
+            <a:schemeClr val="lt1"/>
+          </a:fontRef>
+        </p:style>
+        <p:txBody>
+          <a:bodyPr rot="0" spcFirstLastPara="0" vertOverflow="overflow" horzOverflow="overflow" vert="horz" wrap="square" lIns="91440" tIns="45720" rIns="91440" bIns="45720" numCol="1" spcCol="0" rtlCol="0" fromWordArt="0" anchor="ctr" anchorCtr="0" forceAA="0" compatLnSpc="1">
+            <a:prstTxWarp prst="textNoShape">
+              <a:avLst/>
+            </a:prstTxWarp>
+            <a:noAutofit/>
+          </a:bodyPr>
+          <a:lstStyle/>
+          <a:p>
+            <a:pPr algn="ctr"/>
+            <a:endParaRPr lang="en-US"/>
           </a:p>
         </p:txBody>
       </p:sp>
@@ -6273,7 +6365,7 @@
         </p:nvSpPr>
         <p:spPr>
           <a:xfrm>
-            <a:off x="1267900" y="6420320"/>
+            <a:off x="1433296" y="6118473"/>
             <a:ext cx="418704" cy="369332"/>
           </a:xfrm>
           <a:prstGeom prst="rect">
@@ -6289,17 +6381,17 @@
           <a:p>
             <a:r>
               <a:rPr lang="en-US" dirty="0"/>
-              <a:t>15</a:t>
-            </a:r>
-          </a:p>
-        </p:txBody>
-      </p:sp>
-      <p:sp>
-        <p:nvSpPr>
-          <p:cNvPr id="42" name="Oval 41">
+              <a:t>19</a:t>
+            </a:r>
+          </a:p>
+        </p:txBody>
+      </p:sp>
+      <p:sp>
+        <p:nvSpPr>
+          <p:cNvPr id="45" name="Oval 44">
             <a:extLst>
               <a:ext uri="{FF2B5EF4-FFF2-40B4-BE49-F238E27FC236}">
-                <a16:creationId xmlns:a16="http://schemas.microsoft.com/office/drawing/2014/main" id="{775C5468-6323-564F-A2B0-C39B51EAEC71}"/>
+                <a16:creationId xmlns:a16="http://schemas.microsoft.com/office/drawing/2014/main" id="{5F693888-4781-0749-A282-E205E41F98C2}"/>
               </a:ext>
             </a:extLst>
           </p:cNvPr>
@@ -6308,8 +6400,8 @@
         </p:nvSpPr>
         <p:spPr>
           <a:xfrm>
-            <a:off x="1612204" y="1077978"/>
-            <a:ext cx="709390" cy="1493546"/>
+            <a:off x="265476" y="4994816"/>
+            <a:ext cx="1307341" cy="283462"/>
           </a:xfrm>
           <a:prstGeom prst="ellipse">
             <a:avLst/>
@@ -6353,10 +6445,10 @@
       </p:sp>
       <p:sp>
         <p:nvSpPr>
-          <p:cNvPr id="45" name="TextBox 44">
+          <p:cNvPr id="46" name="TextBox 45">
             <a:extLst>
               <a:ext uri="{FF2B5EF4-FFF2-40B4-BE49-F238E27FC236}">
-                <a16:creationId xmlns:a16="http://schemas.microsoft.com/office/drawing/2014/main" id="{133FC9D3-963E-BB46-8501-2456AD743484}"/>
+                <a16:creationId xmlns:a16="http://schemas.microsoft.com/office/drawing/2014/main" id="{4820E5ED-04CC-A642-A3A1-F9A2472D6EED}"/>
               </a:ext>
             </a:extLst>
           </p:cNvPr>
@@ -6365,8 +6457,8 @@
         </p:nvSpPr>
         <p:spPr>
           <a:xfrm>
-            <a:off x="1797907" y="1597090"/>
-            <a:ext cx="301686" cy="369332"/>
+            <a:off x="1265358" y="4830537"/>
+            <a:ext cx="418704" cy="369332"/>
           </a:xfrm>
           <a:prstGeom prst="rect">
             <a:avLst/>
@@ -6381,7 +6473,7 @@
           <a:p>
             <a:r>
               <a:rPr lang="en-US" dirty="0"/>
-              <a:t>5</a:t>
+              <a:t>16</a:t>
             </a:r>
           </a:p>
         </p:txBody>
@@ -6389,7 +6481,7 @@
     </p:spTree>
     <p:extLst>
       <p:ext uri="{BB962C8B-B14F-4D97-AF65-F5344CB8AC3E}">
-        <p14:creationId xmlns:p14="http://schemas.microsoft.com/office/powerpoint/2010/main" val="3711458657"/>
+        <p14:creationId xmlns:p14="http://schemas.microsoft.com/office/powerpoint/2010/main" val="372287276"/>
       </p:ext>
     </p:extLst>
   </p:cSld>
